--- a/OREI_files/10-herd data/IMI definition rules.pptx
+++ b/OREI_files/10-herd data/IMI definition rules.pptx
@@ -16,6 +16,9 @@
     <p:sldId id="263" r:id="rId10"/>
     <p:sldId id="265" r:id="rId11"/>
     <p:sldId id="266" r:id="rId12"/>
+    <p:sldId id="270" r:id="rId13"/>
+    <p:sldId id="268" r:id="rId14"/>
+    <p:sldId id="269" r:id="rId15"/>
   </p:sldIdLst>
   <p:sldSz cx="12192000" cy="6858000"/>
   <p:notesSz cx="6858000" cy="9144000"/>
@@ -125,6 +128,266 @@
 <file path=ppt/changesInfos/changesInfo1.xml><?xml version="1.0" encoding="utf-8"?>
 <pc:chgInfo xmlns:a="http://schemas.openxmlformats.org/drawingml/2006/main" xmlns:r="http://schemas.openxmlformats.org/officeDocument/2006/relationships" xmlns:ac="http://schemas.microsoft.com/office/drawing/2013/main/command" xmlns:pc="http://schemas.microsoft.com/office/powerpoint/2013/main/command">
   <pc:docChgLst>
+    <pc:chgData name="Caitlin Jeffrey" userId="c792ef73e4c0296d" providerId="LiveId" clId="{6F833E21-C0A9-42EF-B0B0-88550C3C3F71}"/>
+    <pc:docChg chg="undo custSel addSld modSld">
+      <pc:chgData name="Caitlin Jeffrey" userId="c792ef73e4c0296d" providerId="LiveId" clId="{6F833E21-C0A9-42EF-B0B0-88550C3C3F71}" dt="2022-11-22T13:17:10.202" v="62" actId="1076"/>
+      <pc:docMkLst>
+        <pc:docMk/>
+      </pc:docMkLst>
+      <pc:sldChg chg="addSp delSp modSp mod">
+        <pc:chgData name="Caitlin Jeffrey" userId="c792ef73e4c0296d" providerId="LiveId" clId="{6F833E21-C0A9-42EF-B0B0-88550C3C3F71}" dt="2022-11-22T13:16:33.980" v="57" actId="1076"/>
+        <pc:sldMkLst>
+          <pc:docMk/>
+          <pc:sldMk cId="2214968306" sldId="257"/>
+        </pc:sldMkLst>
+        <pc:spChg chg="add mod">
+          <ac:chgData name="Caitlin Jeffrey" userId="c792ef73e4c0296d" providerId="LiveId" clId="{6F833E21-C0A9-42EF-B0B0-88550C3C3F71}" dt="2022-11-22T13:12:54.415" v="32" actId="1076"/>
+          <ac:spMkLst>
+            <pc:docMk/>
+            <pc:sldMk cId="2214968306" sldId="257"/>
+            <ac:spMk id="2" creationId="{12EDAFAA-1DE4-4246-E175-05DF9D5DBA25}"/>
+          </ac:spMkLst>
+        </pc:spChg>
+        <pc:spChg chg="mod">
+          <ac:chgData name="Caitlin Jeffrey" userId="c792ef73e4c0296d" providerId="LiveId" clId="{6F833E21-C0A9-42EF-B0B0-88550C3C3F71}" dt="2022-11-22T13:13:12.192" v="37" actId="1076"/>
+          <ac:spMkLst>
+            <pc:docMk/>
+            <pc:sldMk cId="2214968306" sldId="257"/>
+            <ac:spMk id="4" creationId="{3F368461-6B18-4ECE-9D33-EF73F590CB2B}"/>
+          </ac:spMkLst>
+        </pc:spChg>
+        <pc:spChg chg="mod">
+          <ac:chgData name="Caitlin Jeffrey" userId="c792ef73e4c0296d" providerId="LiveId" clId="{6F833E21-C0A9-42EF-B0B0-88550C3C3F71}" dt="2022-11-22T13:12:19.204" v="25" actId="1076"/>
+          <ac:spMkLst>
+            <pc:docMk/>
+            <pc:sldMk cId="2214968306" sldId="257"/>
+            <ac:spMk id="5" creationId="{E321BAB2-1DFB-4E64-BCCA-C2F79262D2DE}"/>
+          </ac:spMkLst>
+        </pc:spChg>
+        <pc:spChg chg="del">
+          <ac:chgData name="Caitlin Jeffrey" userId="c792ef73e4c0296d" providerId="LiveId" clId="{6F833E21-C0A9-42EF-B0B0-88550C3C3F71}" dt="2022-11-22T13:08:25.509" v="10" actId="21"/>
+          <ac:spMkLst>
+            <pc:docMk/>
+            <pc:sldMk cId="2214968306" sldId="257"/>
+            <ac:spMk id="6" creationId="{513C3392-2687-4D84-8C68-27FE0E4CB315}"/>
+          </ac:spMkLst>
+        </pc:spChg>
+        <pc:spChg chg="mod">
+          <ac:chgData name="Caitlin Jeffrey" userId="c792ef73e4c0296d" providerId="LiveId" clId="{6F833E21-C0A9-42EF-B0B0-88550C3C3F71}" dt="2022-11-22T13:12:28.621" v="27" actId="1076"/>
+          <ac:spMkLst>
+            <pc:docMk/>
+            <pc:sldMk cId="2214968306" sldId="257"/>
+            <ac:spMk id="7" creationId="{0187EB56-4297-423A-A3CC-A8F9995ED78D}"/>
+          </ac:spMkLst>
+        </pc:spChg>
+        <pc:spChg chg="add mod">
+          <ac:chgData name="Caitlin Jeffrey" userId="c792ef73e4c0296d" providerId="LiveId" clId="{6F833E21-C0A9-42EF-B0B0-88550C3C3F71}" dt="2022-11-22T13:13:23.900" v="38" actId="1076"/>
+          <ac:spMkLst>
+            <pc:docMk/>
+            <pc:sldMk cId="2214968306" sldId="257"/>
+            <ac:spMk id="8" creationId="{9F773660-337E-7EAE-E2C6-11B6AA4C86B0}"/>
+          </ac:spMkLst>
+        </pc:spChg>
+        <pc:spChg chg="del">
+          <ac:chgData name="Caitlin Jeffrey" userId="c792ef73e4c0296d" providerId="LiveId" clId="{6F833E21-C0A9-42EF-B0B0-88550C3C3F71}" dt="2022-11-22T13:11:21.122" v="19" actId="21"/>
+          <ac:spMkLst>
+            <pc:docMk/>
+            <pc:sldMk cId="2214968306" sldId="257"/>
+            <ac:spMk id="9" creationId="{1CB0B1A2-DD23-44F5-AC04-285A1E484D9F}"/>
+          </ac:spMkLst>
+        </pc:spChg>
+        <pc:spChg chg="mod">
+          <ac:chgData name="Caitlin Jeffrey" userId="c792ef73e4c0296d" providerId="LiveId" clId="{6F833E21-C0A9-42EF-B0B0-88550C3C3F71}" dt="2022-11-22T13:16:30.480" v="56" actId="1076"/>
+          <ac:spMkLst>
+            <pc:docMk/>
+            <pc:sldMk cId="2214968306" sldId="257"/>
+            <ac:spMk id="10" creationId="{F05B6C29-42A7-48C2-A216-6B23245AACF0}"/>
+          </ac:spMkLst>
+        </pc:spChg>
+        <pc:spChg chg="add mod">
+          <ac:chgData name="Caitlin Jeffrey" userId="c792ef73e4c0296d" providerId="LiveId" clId="{6F833E21-C0A9-42EF-B0B0-88550C3C3F71}" dt="2022-11-22T13:16:33.980" v="57" actId="1076"/>
+          <ac:spMkLst>
+            <pc:docMk/>
+            <pc:sldMk cId="2214968306" sldId="257"/>
+            <ac:spMk id="14" creationId="{0624ECEB-8935-43D7-8044-29BBEF5BD3E6}"/>
+          </ac:spMkLst>
+        </pc:spChg>
+        <pc:picChg chg="del">
+          <ac:chgData name="Caitlin Jeffrey" userId="c792ef73e4c0296d" providerId="LiveId" clId="{6F833E21-C0A9-42EF-B0B0-88550C3C3F71}" dt="2022-11-22T13:11:17.212" v="18" actId="478"/>
+          <ac:picMkLst>
+            <pc:docMk/>
+            <pc:sldMk cId="2214968306" sldId="257"/>
+            <ac:picMk id="3" creationId="{99BD2043-453A-4498-8B19-973438FE0D46}"/>
+          </ac:picMkLst>
+        </pc:picChg>
+        <pc:picChg chg="add mod">
+          <ac:chgData name="Caitlin Jeffrey" userId="c792ef73e4c0296d" providerId="LiveId" clId="{6F833E21-C0A9-42EF-B0B0-88550C3C3F71}" dt="2022-11-22T13:13:08.556" v="36" actId="14100"/>
+          <ac:picMkLst>
+            <pc:docMk/>
+            <pc:sldMk cId="2214968306" sldId="257"/>
+            <ac:picMk id="11" creationId="{00000000-0008-0000-0E00-000013000000}"/>
+          </ac:picMkLst>
+        </pc:picChg>
+        <pc:picChg chg="add mod">
+          <ac:chgData name="Caitlin Jeffrey" userId="c792ef73e4c0296d" providerId="LiveId" clId="{6F833E21-C0A9-42EF-B0B0-88550C3C3F71}" dt="2022-11-22T13:12:50.354" v="31" actId="14100"/>
+          <ac:picMkLst>
+            <pc:docMk/>
+            <pc:sldMk cId="2214968306" sldId="257"/>
+            <ac:picMk id="12" creationId="{00000000-0008-0000-0E00-000015000000}"/>
+          </ac:picMkLst>
+        </pc:picChg>
+        <pc:picChg chg="add mod">
+          <ac:chgData name="Caitlin Jeffrey" userId="c792ef73e4c0296d" providerId="LiveId" clId="{6F833E21-C0A9-42EF-B0B0-88550C3C3F71}" dt="2022-11-22T13:13:06.047" v="35" actId="1076"/>
+          <ac:picMkLst>
+            <pc:docMk/>
+            <pc:sldMk cId="2214968306" sldId="257"/>
+            <ac:picMk id="13" creationId="{00000000-0008-0000-0E00-000016000000}"/>
+          </ac:picMkLst>
+        </pc:picChg>
+      </pc:sldChg>
+      <pc:sldChg chg="addSp delSp modSp mod">
+        <pc:chgData name="Caitlin Jeffrey" userId="c792ef73e4c0296d" providerId="LiveId" clId="{6F833E21-C0A9-42EF-B0B0-88550C3C3F71}" dt="2022-11-22T13:17:10.202" v="62" actId="1076"/>
+        <pc:sldMkLst>
+          <pc:docMk/>
+          <pc:sldMk cId="3205021379" sldId="258"/>
+        </pc:sldMkLst>
+        <pc:spChg chg="mod">
+          <ac:chgData name="Caitlin Jeffrey" userId="c792ef73e4c0296d" providerId="LiveId" clId="{6F833E21-C0A9-42EF-B0B0-88550C3C3F71}" dt="2022-11-22T13:08:36.441" v="12" actId="20577"/>
+          <ac:spMkLst>
+            <pc:docMk/>
+            <pc:sldMk cId="3205021379" sldId="258"/>
+            <ac:spMk id="4" creationId="{C57FEF1C-D803-4D4F-A24B-542E7BE5DD2D}"/>
+          </ac:spMkLst>
+        </pc:spChg>
+        <pc:spChg chg="del">
+          <ac:chgData name="Caitlin Jeffrey" userId="c792ef73e4c0296d" providerId="LiveId" clId="{6F833E21-C0A9-42EF-B0B0-88550C3C3F71}" dt="2022-11-22T13:11:04.731" v="15" actId="21"/>
+          <ac:spMkLst>
+            <pc:docMk/>
+            <pc:sldMk cId="3205021379" sldId="258"/>
+            <ac:spMk id="5" creationId="{780D37E1-1D6E-458F-A4EB-F10A1D9470FB}"/>
+          </ac:spMkLst>
+        </pc:spChg>
+        <pc:spChg chg="mod">
+          <ac:chgData name="Caitlin Jeffrey" userId="c792ef73e4c0296d" providerId="LiveId" clId="{6F833E21-C0A9-42EF-B0B0-88550C3C3F71}" dt="2022-11-22T13:15:36.534" v="50" actId="1076"/>
+          <ac:spMkLst>
+            <pc:docMk/>
+            <pc:sldMk cId="3205021379" sldId="258"/>
+            <ac:spMk id="6" creationId="{4319825D-B473-4FF3-8F6C-012CE3825D62}"/>
+          </ac:spMkLst>
+        </pc:spChg>
+        <pc:spChg chg="mod">
+          <ac:chgData name="Caitlin Jeffrey" userId="c792ef73e4c0296d" providerId="LiveId" clId="{6F833E21-C0A9-42EF-B0B0-88550C3C3F71}" dt="2022-11-22T13:15:39.707" v="51" actId="1076"/>
+          <ac:spMkLst>
+            <pc:docMk/>
+            <pc:sldMk cId="3205021379" sldId="258"/>
+            <ac:spMk id="7" creationId="{DC6C2FEA-E246-4D7B-A61F-EFDB2C745294}"/>
+          </ac:spMkLst>
+        </pc:spChg>
+        <pc:spChg chg="del">
+          <ac:chgData name="Caitlin Jeffrey" userId="c792ef73e4c0296d" providerId="LiveId" clId="{6F833E21-C0A9-42EF-B0B0-88550C3C3F71}" dt="2022-11-22T13:07:53.368" v="7" actId="21"/>
+          <ac:spMkLst>
+            <pc:docMk/>
+            <pc:sldMk cId="3205021379" sldId="258"/>
+            <ac:spMk id="9" creationId="{A9266169-92F1-47D0-B8C0-40B772084F82}"/>
+          </ac:spMkLst>
+        </pc:spChg>
+        <pc:spChg chg="mod">
+          <ac:chgData name="Caitlin Jeffrey" userId="c792ef73e4c0296d" providerId="LiveId" clId="{6F833E21-C0A9-42EF-B0B0-88550C3C3F71}" dt="2022-11-22T13:16:41.257" v="58" actId="1076"/>
+          <ac:spMkLst>
+            <pc:docMk/>
+            <pc:sldMk cId="3205021379" sldId="258"/>
+            <ac:spMk id="10" creationId="{91E65521-4B3A-4AE2-BFC7-4A2BF7D1AFAB}"/>
+          </ac:spMkLst>
+        </pc:spChg>
+        <pc:spChg chg="mod">
+          <ac:chgData name="Caitlin Jeffrey" userId="c792ef73e4c0296d" providerId="LiveId" clId="{6F833E21-C0A9-42EF-B0B0-88550C3C3F71}" dt="2022-11-22T13:15:23.540" v="49" actId="1076"/>
+          <ac:spMkLst>
+            <pc:docMk/>
+            <pc:sldMk cId="3205021379" sldId="258"/>
+            <ac:spMk id="11" creationId="{C9E45242-7086-4EC6-B2EF-98DB0BC6416B}"/>
+          </ac:spMkLst>
+        </pc:spChg>
+        <pc:spChg chg="add del mod">
+          <ac:chgData name="Caitlin Jeffrey" userId="c792ef73e4c0296d" providerId="LiveId" clId="{6F833E21-C0A9-42EF-B0B0-88550C3C3F71}" dt="2022-11-22T13:16:22.331" v="54" actId="21"/>
+          <ac:spMkLst>
+            <pc:docMk/>
+            <pc:sldMk cId="3205021379" sldId="258"/>
+            <ac:spMk id="12" creationId="{0275DB0E-357A-42DF-8DB9-138567A38ED9}"/>
+          </ac:spMkLst>
+        </pc:spChg>
+        <pc:spChg chg="add mod">
+          <ac:chgData name="Caitlin Jeffrey" userId="c792ef73e4c0296d" providerId="LiveId" clId="{6F833E21-C0A9-42EF-B0B0-88550C3C3F71}" dt="2022-11-22T13:15:13.876" v="46" actId="1076"/>
+          <ac:spMkLst>
+            <pc:docMk/>
+            <pc:sldMk cId="3205021379" sldId="258"/>
+            <ac:spMk id="13" creationId="{615E008C-0968-64C6-8386-4687B1169578}"/>
+          </ac:spMkLst>
+        </pc:spChg>
+        <pc:spChg chg="add mod">
+          <ac:chgData name="Caitlin Jeffrey" userId="c792ef73e4c0296d" providerId="LiveId" clId="{6F833E21-C0A9-42EF-B0B0-88550C3C3F71}" dt="2022-11-22T13:13:51.227" v="40" actId="1076"/>
+          <ac:spMkLst>
+            <pc:docMk/>
+            <pc:sldMk cId="3205021379" sldId="258"/>
+            <ac:spMk id="14" creationId="{5D9175CB-C972-5F7D-9824-A1340539C473}"/>
+          </ac:spMkLst>
+        </pc:spChg>
+        <pc:grpChg chg="del">
+          <ac:chgData name="Caitlin Jeffrey" userId="c792ef73e4c0296d" providerId="LiveId" clId="{6F833E21-C0A9-42EF-B0B0-88550C3C3F71}" dt="2022-11-22T13:07:47.009" v="6" actId="478"/>
+          <ac:grpSpMkLst>
+            <pc:docMk/>
+            <pc:sldMk cId="3205021379" sldId="258"/>
+            <ac:grpSpMk id="2" creationId="{B7589048-10BE-496A-9D41-7809CF908C02}"/>
+          </ac:grpSpMkLst>
+        </pc:grpChg>
+        <pc:picChg chg="add mod">
+          <ac:chgData name="Caitlin Jeffrey" userId="c792ef73e4c0296d" providerId="LiveId" clId="{6F833E21-C0A9-42EF-B0B0-88550C3C3F71}" dt="2022-11-22T13:15:10.017" v="45" actId="1076"/>
+          <ac:picMkLst>
+            <pc:docMk/>
+            <pc:sldMk cId="3205021379" sldId="258"/>
+            <ac:picMk id="8" creationId="{00000000-0008-0000-0E00-000014000000}"/>
+          </ac:picMkLst>
+        </pc:picChg>
+        <pc:picChg chg="add mod">
+          <ac:chgData name="Caitlin Jeffrey" userId="c792ef73e4c0296d" providerId="LiveId" clId="{6F833E21-C0A9-42EF-B0B0-88550C3C3F71}" dt="2022-11-22T13:16:44.599" v="59" actId="167"/>
+          <ac:picMkLst>
+            <pc:docMk/>
+            <pc:sldMk cId="3205021379" sldId="258"/>
+            <ac:picMk id="15" creationId="{00000000-0008-0000-0E00-000017000000}"/>
+          </ac:picMkLst>
+        </pc:picChg>
+        <pc:picChg chg="add mod">
+          <ac:chgData name="Caitlin Jeffrey" userId="c792ef73e4c0296d" providerId="LiveId" clId="{6F833E21-C0A9-42EF-B0B0-88550C3C3F71}" dt="2022-11-22T13:17:10.202" v="62" actId="1076"/>
+          <ac:picMkLst>
+            <pc:docMk/>
+            <pc:sldMk cId="3205021379" sldId="258"/>
+            <ac:picMk id="16" creationId="{00000000-0008-0000-0E00-00001D000000}"/>
+          </ac:picMkLst>
+        </pc:picChg>
+      </pc:sldChg>
+      <pc:sldChg chg="add">
+        <pc:chgData name="Caitlin Jeffrey" userId="c792ef73e4c0296d" providerId="LiveId" clId="{6F833E21-C0A9-42EF-B0B0-88550C3C3F71}" dt="2022-11-22T13:07:16.576" v="4"/>
+        <pc:sldMkLst>
+          <pc:docMk/>
+          <pc:sldMk cId="3541660463" sldId="268"/>
+        </pc:sldMkLst>
+      </pc:sldChg>
+      <pc:sldChg chg="add">
+        <pc:chgData name="Caitlin Jeffrey" userId="c792ef73e4c0296d" providerId="LiveId" clId="{6F833E21-C0A9-42EF-B0B0-88550C3C3F71}" dt="2022-11-22T13:07:16.576" v="4"/>
+        <pc:sldMkLst>
+          <pc:docMk/>
+          <pc:sldMk cId="2231728785" sldId="269"/>
+        </pc:sldMkLst>
+      </pc:sldChg>
+      <pc:sldChg chg="new">
+        <pc:chgData name="Caitlin Jeffrey" userId="c792ef73e4c0296d" providerId="LiveId" clId="{6F833E21-C0A9-42EF-B0B0-88550C3C3F71}" dt="2022-11-22T13:07:19.149" v="5" actId="680"/>
+        <pc:sldMkLst>
+          <pc:docMk/>
+          <pc:sldMk cId="429031587" sldId="270"/>
+        </pc:sldMkLst>
+      </pc:sldChg>
+    </pc:docChg>
+  </pc:docChgLst>
+  <pc:docChgLst>
     <pc:chgData name="Caitlin Jeffrey" userId="c792ef73e4c0296d" providerId="LiveId" clId="{79B58DC4-94BD-4A14-83C4-A15FF7A4A3F4}"/>
     <pc:docChg chg="undo custSel addSld delSld modSld sldOrd">
       <pc:chgData name="Caitlin Jeffrey" userId="c792ef73e4c0296d" providerId="LiveId" clId="{79B58DC4-94BD-4A14-83C4-A15FF7A4A3F4}" dt="2020-05-14T21:32:51.221" v="5115" actId="1076"/>
@@ -2169,7 +2432,7 @@
           <a:p>
             <a:fld id="{2AD8E0D6-E062-49A0-BB95-E2A5566DCAFE}" type="datetimeFigureOut">
               <a:rPr lang="en-US" smtClean="0"/>
-              <a:t>5/14/2020</a:t>
+              <a:t>11/22/2022</a:t>
             </a:fld>
             <a:endParaRPr lang="en-US"/>
           </a:p>
@@ -2367,7 +2630,7 @@
           <a:p>
             <a:fld id="{2AD8E0D6-E062-49A0-BB95-E2A5566DCAFE}" type="datetimeFigureOut">
               <a:rPr lang="en-US" smtClean="0"/>
-              <a:t>5/14/2020</a:t>
+              <a:t>11/22/2022</a:t>
             </a:fld>
             <a:endParaRPr lang="en-US"/>
           </a:p>
@@ -2575,7 +2838,7 @@
           <a:p>
             <a:fld id="{2AD8E0D6-E062-49A0-BB95-E2A5566DCAFE}" type="datetimeFigureOut">
               <a:rPr lang="en-US" smtClean="0"/>
-              <a:t>5/14/2020</a:t>
+              <a:t>11/22/2022</a:t>
             </a:fld>
             <a:endParaRPr lang="en-US"/>
           </a:p>
@@ -2773,7 +3036,7 @@
           <a:p>
             <a:fld id="{2AD8E0D6-E062-49A0-BB95-E2A5566DCAFE}" type="datetimeFigureOut">
               <a:rPr lang="en-US" smtClean="0"/>
-              <a:t>5/14/2020</a:t>
+              <a:t>11/22/2022</a:t>
             </a:fld>
             <a:endParaRPr lang="en-US"/>
           </a:p>
@@ -3048,7 +3311,7 @@
           <a:p>
             <a:fld id="{2AD8E0D6-E062-49A0-BB95-E2A5566DCAFE}" type="datetimeFigureOut">
               <a:rPr lang="en-US" smtClean="0"/>
-              <a:t>5/14/2020</a:t>
+              <a:t>11/22/2022</a:t>
             </a:fld>
             <a:endParaRPr lang="en-US"/>
           </a:p>
@@ -3313,7 +3576,7 @@
           <a:p>
             <a:fld id="{2AD8E0D6-E062-49A0-BB95-E2A5566DCAFE}" type="datetimeFigureOut">
               <a:rPr lang="en-US" smtClean="0"/>
-              <a:t>5/14/2020</a:t>
+              <a:t>11/22/2022</a:t>
             </a:fld>
             <a:endParaRPr lang="en-US"/>
           </a:p>
@@ -3725,7 +3988,7 @@
           <a:p>
             <a:fld id="{2AD8E0D6-E062-49A0-BB95-E2A5566DCAFE}" type="datetimeFigureOut">
               <a:rPr lang="en-US" smtClean="0"/>
-              <a:t>5/14/2020</a:t>
+              <a:t>11/22/2022</a:t>
             </a:fld>
             <a:endParaRPr lang="en-US"/>
           </a:p>
@@ -3866,7 +4129,7 @@
           <a:p>
             <a:fld id="{2AD8E0D6-E062-49A0-BB95-E2A5566DCAFE}" type="datetimeFigureOut">
               <a:rPr lang="en-US" smtClean="0"/>
-              <a:t>5/14/2020</a:t>
+              <a:t>11/22/2022</a:t>
             </a:fld>
             <a:endParaRPr lang="en-US"/>
           </a:p>
@@ -3979,7 +4242,7 @@
           <a:p>
             <a:fld id="{2AD8E0D6-E062-49A0-BB95-E2A5566DCAFE}" type="datetimeFigureOut">
               <a:rPr lang="en-US" smtClean="0"/>
-              <a:t>5/14/2020</a:t>
+              <a:t>11/22/2022</a:t>
             </a:fld>
             <a:endParaRPr lang="en-US"/>
           </a:p>
@@ -4290,7 +4553,7 @@
           <a:p>
             <a:fld id="{2AD8E0D6-E062-49A0-BB95-E2A5566DCAFE}" type="datetimeFigureOut">
               <a:rPr lang="en-US" smtClean="0"/>
-              <a:t>5/14/2020</a:t>
+              <a:t>11/22/2022</a:t>
             </a:fld>
             <a:endParaRPr lang="en-US"/>
           </a:p>
@@ -4578,7 +4841,7 @@
           <a:p>
             <a:fld id="{2AD8E0D6-E062-49A0-BB95-E2A5566DCAFE}" type="datetimeFigureOut">
               <a:rPr lang="en-US" smtClean="0"/>
-              <a:t>5/14/2020</a:t>
+              <a:t>11/22/2022</a:t>
             </a:fld>
             <a:endParaRPr lang="en-US"/>
           </a:p>
@@ -4819,7 +5082,7 @@
           <a:p>
             <a:fld id="{2AD8E0D6-E062-49A0-BB95-E2A5566DCAFE}" type="datetimeFigureOut">
               <a:rPr lang="en-US" smtClean="0"/>
-              <a:t>5/14/2020</a:t>
+              <a:t>11/22/2022</a:t>
             </a:fld>
             <a:endParaRPr lang="en-US"/>
           </a:p>
@@ -7269,7 +7532,7 @@
 </p:sld>
 </file>
 
-<file path=ppt/slides/slide2.xml><?xml version="1.0" encoding="utf-8"?>
+<file path=ppt/slides/slide12.xml><?xml version="1.0" encoding="utf-8"?>
 <p:sld xmlns:a="http://schemas.openxmlformats.org/drawingml/2006/main" xmlns:r="http://schemas.openxmlformats.org/officeDocument/2006/relationships" xmlns:p="http://schemas.openxmlformats.org/presentationml/2006/main">
   <p:cSld>
     <p:spTree>
@@ -7286,715 +7549,10 @@
           <a:chExt cx="0" cy="0"/>
         </a:xfrm>
       </p:grpSpPr>
-      <p:pic>
-        <p:nvPicPr>
-          <p:cNvPr id="4" name="Picture 2">
-            <a:extLst>
-              <a:ext uri="{FF2B5EF4-FFF2-40B4-BE49-F238E27FC236}">
-                <a16:creationId xmlns:a16="http://schemas.microsoft.com/office/drawing/2014/main" id="{636382D5-0263-42C7-AB98-9E1EDFFF47BC}"/>
-              </a:ext>
-            </a:extLst>
-          </p:cNvPr>
-          <p:cNvPicPr>
-            <a:picLocks noChangeAspect="1" noChangeArrowheads="1"/>
-          </p:cNvPicPr>
-          <p:nvPr/>
-        </p:nvPicPr>
-        <p:blipFill>
-          <a:blip r:embed="rId2">
-            <a:extLst>
-              <a:ext uri="{28A0092B-C50C-407E-A947-70E740481C1C}">
-                <a14:useLocalDpi xmlns:a14="http://schemas.microsoft.com/office/drawing/2010/main" val="0"/>
-              </a:ext>
-            </a:extLst>
-          </a:blip>
-          <a:srcRect/>
-          <a:stretch>
-            <a:fillRect/>
-          </a:stretch>
-        </p:blipFill>
-        <p:spPr bwMode="auto">
-          <a:xfrm>
-            <a:off x="411131" y="2548346"/>
-            <a:ext cx="4180997" cy="2025290"/>
-          </a:xfrm>
-          <a:prstGeom prst="rect">
-            <a:avLst/>
-          </a:prstGeom>
-          <a:noFill/>
-          <a:extLst>
-            <a:ext uri="{909E8E84-426E-40DD-AFC4-6F175D3DCCD1}">
-              <a14:hiddenFill xmlns:a14="http://schemas.microsoft.com/office/drawing/2010/main">
-                <a:solidFill>
-                  <a:srgbClr val="FFFFFF"/>
-                </a:solidFill>
-              </a14:hiddenFill>
-            </a:ext>
-          </a:extLst>
-        </p:spPr>
-      </p:pic>
-      <p:sp>
-        <p:nvSpPr>
-          <p:cNvPr id="5" name="Rectangle 4">
-            <a:extLst>
-              <a:ext uri="{FF2B5EF4-FFF2-40B4-BE49-F238E27FC236}">
-                <a16:creationId xmlns:a16="http://schemas.microsoft.com/office/drawing/2014/main" id="{6C0C12D7-4387-4B94-BEAD-F04BD550A9FB}"/>
-              </a:ext>
-            </a:extLst>
-          </p:cNvPr>
-          <p:cNvSpPr/>
-          <p:nvPr/>
-        </p:nvSpPr>
-        <p:spPr>
-          <a:xfrm>
-            <a:off x="4183940" y="3047942"/>
-            <a:ext cx="3123121" cy="923330"/>
-          </a:xfrm>
-          <a:prstGeom prst="rect">
-            <a:avLst/>
-          </a:prstGeom>
-          <a:noFill/>
-        </p:spPr>
-        <p:txBody>
-          <a:bodyPr wrap="square" lIns="91440" tIns="45720" rIns="91440" bIns="45720">
-            <a:spAutoFit/>
-          </a:bodyPr>
-          <a:lstStyle/>
-          <a:p>
-            <a:pPr algn="ctr"/>
-            <a:r>
-              <a:rPr lang="en-US" b="1" cap="none" spc="0" dirty="0">
-                <a:ln w="0"/>
-                <a:solidFill>
-                  <a:schemeClr val="tx1"/>
-                </a:solidFill>
-                <a:effectLst>
-                  <a:outerShdw blurRad="38100" dist="19050" dir="2700000" algn="tl" rotWithShape="0">
-                    <a:schemeClr val="dk1">
-                      <a:alpha val="40000"/>
-                    </a:schemeClr>
-                  </a:outerShdw>
-                </a:effectLst>
-              </a:rPr>
-              <a:t>Series: </a:t>
-            </a:r>
-            <a:r>
-              <a:rPr lang="en-US" b="0" cap="none" spc="0" dirty="0">
-                <a:ln w="0"/>
-                <a:solidFill>
-                  <a:schemeClr val="tx1"/>
-                </a:solidFill>
-                <a:effectLst>
-                  <a:outerShdw blurRad="38100" dist="19050" dir="2700000" algn="tl" rotWithShape="0">
-                    <a:schemeClr val="dk1">
-                      <a:alpha val="40000"/>
-                    </a:schemeClr>
-                  </a:outerShdw>
-                </a:effectLst>
-              </a:rPr>
-              <a:t>YES IMI and is CNS IMI but don’t know which isolate to attribute to</a:t>
-            </a:r>
-          </a:p>
-        </p:txBody>
-      </p:sp>
-      <p:sp>
-        <p:nvSpPr>
-          <p:cNvPr id="6" name="Rectangle 5">
-            <a:extLst>
-              <a:ext uri="{FF2B5EF4-FFF2-40B4-BE49-F238E27FC236}">
-                <a16:creationId xmlns:a16="http://schemas.microsoft.com/office/drawing/2014/main" id="{306C4B5B-2630-4A31-AF25-23B784563BE4}"/>
-              </a:ext>
-            </a:extLst>
-          </p:cNvPr>
-          <p:cNvSpPr/>
-          <p:nvPr/>
-        </p:nvSpPr>
-        <p:spPr>
-          <a:xfrm>
-            <a:off x="7240469" y="3076563"/>
-            <a:ext cx="4728778" cy="369332"/>
-          </a:xfrm>
-          <a:prstGeom prst="rect">
-            <a:avLst/>
-          </a:prstGeom>
-          <a:noFill/>
-        </p:spPr>
-        <p:txBody>
-          <a:bodyPr wrap="square" lIns="91440" tIns="45720" rIns="91440" bIns="45720">
-            <a:spAutoFit/>
-          </a:bodyPr>
-          <a:lstStyle/>
-          <a:p>
-            <a:pPr algn="ctr"/>
-            <a:r>
-              <a:rPr lang="en-US" b="1" dirty="0">
-                <a:ln w="0"/>
-                <a:effectLst>
-                  <a:outerShdw blurRad="38100" dist="19050" dir="2700000" algn="tl" rotWithShape="0">
-                    <a:schemeClr val="dk1">
-                      <a:alpha val="40000"/>
-                    </a:schemeClr>
-                  </a:outerShdw>
-                </a:effectLst>
-              </a:rPr>
-              <a:t>Parallel</a:t>
-            </a:r>
-            <a:r>
-              <a:rPr lang="en-US" b="1" cap="none" spc="0" dirty="0">
-                <a:ln w="0"/>
-                <a:solidFill>
-                  <a:schemeClr val="tx1"/>
-                </a:solidFill>
-                <a:effectLst>
-                  <a:outerShdw blurRad="38100" dist="19050" dir="2700000" algn="tl" rotWithShape="0">
-                    <a:schemeClr val="dk1">
-                      <a:alpha val="40000"/>
-                    </a:schemeClr>
-                  </a:outerShdw>
-                </a:effectLst>
-              </a:rPr>
-              <a:t>: </a:t>
-            </a:r>
-            <a:r>
-              <a:rPr lang="en-US" b="0" cap="none" spc="0" dirty="0">
-                <a:ln w="0"/>
-                <a:solidFill>
-                  <a:schemeClr val="tx1"/>
-                </a:solidFill>
-                <a:effectLst>
-                  <a:outerShdw blurRad="38100" dist="19050" dir="2700000" algn="tl" rotWithShape="0">
-                    <a:schemeClr val="dk1">
-                      <a:alpha val="40000"/>
-                    </a:schemeClr>
-                  </a:outerShdw>
-                </a:effectLst>
-              </a:rPr>
-              <a:t>yes IMI CNS, can’t tell if mixed</a:t>
-            </a:r>
-          </a:p>
-        </p:txBody>
-      </p:sp>
-      <p:sp>
-        <p:nvSpPr>
-          <p:cNvPr id="7" name="Rectangle 6">
-            <a:extLst>
-              <a:ext uri="{FF2B5EF4-FFF2-40B4-BE49-F238E27FC236}">
-                <a16:creationId xmlns:a16="http://schemas.microsoft.com/office/drawing/2014/main" id="{8BF42764-EB06-4BA4-B537-B315F824BF66}"/>
-              </a:ext>
-            </a:extLst>
-          </p:cNvPr>
-          <p:cNvSpPr/>
-          <p:nvPr/>
-        </p:nvSpPr>
-        <p:spPr>
-          <a:xfrm>
-            <a:off x="222753" y="3716185"/>
-            <a:ext cx="955343" cy="923330"/>
-          </a:xfrm>
-          <a:prstGeom prst="rect">
-            <a:avLst/>
-          </a:prstGeom>
-          <a:noFill/>
-        </p:spPr>
-        <p:txBody>
-          <a:bodyPr wrap="square" lIns="91440" tIns="45720" rIns="91440" bIns="45720">
-            <a:spAutoFit/>
-          </a:bodyPr>
-          <a:lstStyle/>
-          <a:p>
-            <a:pPr algn="ctr"/>
-            <a:r>
-              <a:rPr lang="en-US" sz="5400" b="1" cap="none" spc="0" dirty="0">
-                <a:ln w="22225">
-                  <a:solidFill>
-                    <a:schemeClr val="accent2"/>
-                  </a:solidFill>
-                  <a:prstDash val="solid"/>
-                </a:ln>
-                <a:solidFill>
-                  <a:srgbClr val="C00000"/>
-                </a:solidFill>
-                <a:effectLst/>
-              </a:rPr>
-              <a:t>35</a:t>
-            </a:r>
-          </a:p>
-        </p:txBody>
-      </p:sp>
-      <p:pic>
-        <p:nvPicPr>
-          <p:cNvPr id="8" name="Picture 7">
-            <a:extLst>
-              <a:ext uri="{FF2B5EF4-FFF2-40B4-BE49-F238E27FC236}">
-                <a16:creationId xmlns:a16="http://schemas.microsoft.com/office/drawing/2014/main" id="{FFF54D0A-55C2-4EBF-BF3D-09F6E4600CD4}"/>
-              </a:ext>
-            </a:extLst>
-          </p:cNvPr>
-          <p:cNvPicPr>
-            <a:picLocks noChangeAspect="1"/>
-          </p:cNvPicPr>
-          <p:nvPr/>
-        </p:nvPicPr>
-        <p:blipFill rotWithShape="1">
-          <a:blip r:embed="rId3">
-            <a:extLst>
-              <a:ext uri="{28A0092B-C50C-407E-A947-70E740481C1C}">
-                <a14:useLocalDpi xmlns:a14="http://schemas.microsoft.com/office/drawing/2010/main" val="0"/>
-              </a:ext>
-            </a:extLst>
-          </a:blip>
-          <a:srcRect l="6265" t="49439" r="2243" b="25800"/>
-          <a:stretch/>
-        </p:blipFill>
-        <p:spPr>
-          <a:xfrm>
-            <a:off x="672805" y="375931"/>
-            <a:ext cx="3346910" cy="1680894"/>
-          </a:xfrm>
-          <a:prstGeom prst="rect">
-            <a:avLst/>
-          </a:prstGeom>
-        </p:spPr>
-      </p:pic>
-      <p:sp>
-        <p:nvSpPr>
-          <p:cNvPr id="9" name="Rectangle 8">
-            <a:extLst>
-              <a:ext uri="{FF2B5EF4-FFF2-40B4-BE49-F238E27FC236}">
-                <a16:creationId xmlns:a16="http://schemas.microsoft.com/office/drawing/2014/main" id="{51B980D9-4F77-4113-A1B8-AD15A7499F1E}"/>
-              </a:ext>
-            </a:extLst>
-          </p:cNvPr>
-          <p:cNvSpPr/>
-          <p:nvPr/>
-        </p:nvSpPr>
-        <p:spPr>
-          <a:xfrm>
-            <a:off x="3770334" y="997651"/>
-            <a:ext cx="3080463" cy="1200329"/>
-          </a:xfrm>
-          <a:prstGeom prst="rect">
-            <a:avLst/>
-          </a:prstGeom>
-          <a:noFill/>
-        </p:spPr>
-        <p:txBody>
-          <a:bodyPr wrap="square" lIns="91440" tIns="45720" rIns="91440" bIns="45720">
-            <a:spAutoFit/>
-          </a:bodyPr>
-          <a:lstStyle/>
-          <a:p>
-            <a:pPr algn="ctr"/>
-            <a:r>
-              <a:rPr lang="en-US" b="1" cap="none" spc="0" dirty="0">
-                <a:ln w="0"/>
-                <a:solidFill>
-                  <a:schemeClr val="tx1"/>
-                </a:solidFill>
-                <a:effectLst>
-                  <a:outerShdw blurRad="38100" dist="19050" dir="2700000" algn="tl" rotWithShape="0">
-                    <a:schemeClr val="dk1">
-                      <a:alpha val="40000"/>
-                    </a:schemeClr>
-                  </a:outerShdw>
-                </a:effectLst>
-              </a:rPr>
-              <a:t>Series: </a:t>
-            </a:r>
-            <a:r>
-              <a:rPr lang="en-US" dirty="0">
-                <a:ln w="0"/>
-                <a:effectLst>
-                  <a:outerShdw blurRad="38100" dist="19050" dir="2700000" algn="tl" rotWithShape="0">
-                    <a:schemeClr val="dk1">
-                      <a:alpha val="40000"/>
-                    </a:schemeClr>
-                  </a:outerShdw>
-                </a:effectLst>
-              </a:rPr>
-              <a:t>CNS technically could </a:t>
-            </a:r>
-            <a:r>
-              <a:rPr lang="en-US" b="0" cap="none" spc="0" dirty="0">
-                <a:ln w="0"/>
-                <a:solidFill>
-                  <a:schemeClr val="tx1"/>
-                </a:solidFill>
-                <a:effectLst>
-                  <a:outerShdw blurRad="38100" dist="19050" dir="2700000" algn="tl" rotWithShape="0">
-                    <a:schemeClr val="dk1">
-                      <a:alpha val="40000"/>
-                    </a:schemeClr>
-                  </a:outerShdw>
-                </a:effectLst>
-              </a:rPr>
-              <a:t>be “IMI,” but missed picking second isolate; arguably NSG. Affects mixed infection yes/no</a:t>
-            </a:r>
-          </a:p>
-        </p:txBody>
-      </p:sp>
-      <p:sp>
-        <p:nvSpPr>
-          <p:cNvPr id="10" name="Rectangle 9">
-            <a:extLst>
-              <a:ext uri="{FF2B5EF4-FFF2-40B4-BE49-F238E27FC236}">
-                <a16:creationId xmlns:a16="http://schemas.microsoft.com/office/drawing/2014/main" id="{22E37583-3CBE-49D0-824C-A72FA8FED0FB}"/>
-              </a:ext>
-            </a:extLst>
-          </p:cNvPr>
-          <p:cNvSpPr/>
-          <p:nvPr/>
-        </p:nvSpPr>
-        <p:spPr>
-          <a:xfrm>
-            <a:off x="343809" y="1133495"/>
-            <a:ext cx="886781" cy="923330"/>
-          </a:xfrm>
-          <a:prstGeom prst="rect">
-            <a:avLst/>
-          </a:prstGeom>
-          <a:noFill/>
-        </p:spPr>
-        <p:txBody>
-          <a:bodyPr wrap="none" lIns="91440" tIns="45720" rIns="91440" bIns="45720">
-            <a:spAutoFit/>
-          </a:bodyPr>
-          <a:lstStyle/>
-          <a:p>
-            <a:pPr algn="ctr"/>
-            <a:r>
-              <a:rPr lang="en-US" sz="5400" b="1" dirty="0">
-                <a:ln w="22225">
-                  <a:solidFill>
-                    <a:schemeClr val="accent2"/>
-                  </a:solidFill>
-                  <a:prstDash val="solid"/>
-                </a:ln>
-                <a:solidFill>
-                  <a:srgbClr val="C00000"/>
-                </a:solidFill>
-              </a:rPr>
-              <a:t>21</a:t>
-            </a:r>
-            <a:endParaRPr lang="en-US" sz="5400" b="1" cap="none" spc="0" dirty="0">
-              <a:ln w="22225">
-                <a:solidFill>
-                  <a:schemeClr val="accent2"/>
-                </a:solidFill>
-                <a:prstDash val="solid"/>
-              </a:ln>
-              <a:solidFill>
-                <a:srgbClr val="C00000"/>
-              </a:solidFill>
-              <a:effectLst/>
-            </a:endParaRPr>
-          </a:p>
-        </p:txBody>
-      </p:sp>
-      <p:sp>
-        <p:nvSpPr>
-          <p:cNvPr id="11" name="Rectangle 10">
-            <a:extLst>
-              <a:ext uri="{FF2B5EF4-FFF2-40B4-BE49-F238E27FC236}">
-                <a16:creationId xmlns:a16="http://schemas.microsoft.com/office/drawing/2014/main" id="{B4DABFF4-4F19-40F2-B2EB-B7DECA970C09}"/>
-              </a:ext>
-            </a:extLst>
-          </p:cNvPr>
-          <p:cNvSpPr/>
-          <p:nvPr/>
-        </p:nvSpPr>
-        <p:spPr>
-          <a:xfrm>
-            <a:off x="6966234" y="1133495"/>
-            <a:ext cx="3707756" cy="923330"/>
-          </a:xfrm>
-          <a:prstGeom prst="rect">
-            <a:avLst/>
-          </a:prstGeom>
-          <a:noFill/>
-        </p:spPr>
-        <p:txBody>
-          <a:bodyPr wrap="square" lIns="91440" tIns="45720" rIns="91440" bIns="45720">
-            <a:spAutoFit/>
-          </a:bodyPr>
-          <a:lstStyle/>
-          <a:p>
-            <a:pPr algn="ctr"/>
-            <a:r>
-              <a:rPr lang="en-US" b="1" dirty="0">
-                <a:ln w="0"/>
-                <a:effectLst>
-                  <a:outerShdw blurRad="38100" dist="19050" dir="2700000" algn="tl" rotWithShape="0">
-                    <a:schemeClr val="dk1">
-                      <a:alpha val="40000"/>
-                    </a:schemeClr>
-                  </a:outerShdw>
-                </a:effectLst>
-              </a:rPr>
-              <a:t>Parallel</a:t>
-            </a:r>
-            <a:r>
-              <a:rPr lang="en-US" b="1" cap="none" spc="0" dirty="0">
-                <a:ln w="0"/>
-                <a:solidFill>
-                  <a:schemeClr val="tx1"/>
-                </a:solidFill>
-                <a:effectLst>
-                  <a:outerShdw blurRad="38100" dist="19050" dir="2700000" algn="tl" rotWithShape="0">
-                    <a:schemeClr val="dk1">
-                      <a:alpha val="40000"/>
-                    </a:schemeClr>
-                  </a:outerShdw>
-                </a:effectLst>
-              </a:rPr>
-              <a:t>: </a:t>
-            </a:r>
-            <a:r>
-              <a:rPr lang="en-US" dirty="0">
-                <a:ln w="0"/>
-                <a:effectLst>
-                  <a:outerShdw blurRad="38100" dist="19050" dir="2700000" algn="tl" rotWithShape="0">
-                    <a:schemeClr val="dk1">
-                      <a:alpha val="40000"/>
-                    </a:schemeClr>
-                  </a:outerShdw>
-                </a:effectLst>
-              </a:rPr>
-              <a:t>not</a:t>
-            </a:r>
-            <a:r>
-              <a:rPr lang="en-US" b="0" cap="none" spc="0" dirty="0">
-                <a:ln w="0"/>
-                <a:solidFill>
-                  <a:schemeClr val="tx1"/>
-                </a:solidFill>
-                <a:effectLst>
-                  <a:outerShdw blurRad="38100" dist="19050" dir="2700000" algn="tl" rotWithShape="0">
-                    <a:schemeClr val="dk1">
-                      <a:alpha val="40000"/>
-                    </a:schemeClr>
-                  </a:outerShdw>
-                </a:effectLst>
-              </a:rPr>
-              <a:t> an “IMI” if use </a:t>
-            </a:r>
-            <a:r>
-              <a:rPr lang="en-US" dirty="0">
-                <a:ln w="0"/>
-                <a:effectLst>
-                  <a:outerShdw blurRad="38100" dist="19050" dir="2700000" algn="tl" rotWithShape="0">
-                    <a:schemeClr val="dk1">
-                      <a:alpha val="40000"/>
-                    </a:schemeClr>
-                  </a:outerShdw>
-                </a:effectLst>
-              </a:rPr>
-              <a:t>rule of ≥3 CFU of 1 morph in one dup</a:t>
-            </a:r>
-            <a:r>
-              <a:rPr lang="en-US" b="0" cap="none" spc="0" dirty="0">
-                <a:ln w="0"/>
-                <a:solidFill>
-                  <a:schemeClr val="tx1"/>
-                </a:solidFill>
-                <a:effectLst>
-                  <a:outerShdw blurRad="38100" dist="19050" dir="2700000" algn="tl" rotWithShape="0">
-                    <a:schemeClr val="dk1">
-                      <a:alpha val="40000"/>
-                    </a:schemeClr>
-                  </a:outerShdw>
-                </a:effectLst>
-              </a:rPr>
-              <a:t>; questionable as NSG?</a:t>
-            </a:r>
-          </a:p>
-        </p:txBody>
-      </p:sp>
-      <p:pic>
-        <p:nvPicPr>
-          <p:cNvPr id="12" name="Picture 8">
-            <a:extLst>
-              <a:ext uri="{FF2B5EF4-FFF2-40B4-BE49-F238E27FC236}">
-                <a16:creationId xmlns:a16="http://schemas.microsoft.com/office/drawing/2014/main" id="{1DB445B7-595E-4F5B-94C9-99B5EBE57740}"/>
-              </a:ext>
-            </a:extLst>
-          </p:cNvPr>
-          <p:cNvPicPr>
-            <a:picLocks noChangeAspect="1" noChangeArrowheads="1"/>
-          </p:cNvPicPr>
-          <p:nvPr/>
-        </p:nvPicPr>
-        <p:blipFill>
-          <a:blip r:embed="rId4">
-            <a:extLst>
-              <a:ext uri="{28A0092B-C50C-407E-A947-70E740481C1C}">
-                <a14:useLocalDpi xmlns:a14="http://schemas.microsoft.com/office/drawing/2010/main" val="0"/>
-              </a:ext>
-            </a:extLst>
-          </a:blip>
-          <a:srcRect/>
-          <a:stretch>
-            <a:fillRect/>
-          </a:stretch>
-        </p:blipFill>
-        <p:spPr bwMode="auto">
-          <a:xfrm>
-            <a:off x="536213" y="4691427"/>
-            <a:ext cx="3791094" cy="1836420"/>
-          </a:xfrm>
-          <a:prstGeom prst="rect">
-            <a:avLst/>
-          </a:prstGeom>
-          <a:noFill/>
-          <a:extLst>
-            <a:ext uri="{909E8E84-426E-40DD-AFC4-6F175D3DCCD1}">
-              <a14:hiddenFill xmlns:a14="http://schemas.microsoft.com/office/drawing/2010/main">
-                <a:solidFill>
-                  <a:srgbClr val="FFFFFF"/>
-                </a:solidFill>
-              </a14:hiddenFill>
-            </a:ext>
-          </a:extLst>
-        </p:spPr>
-      </p:pic>
-      <p:sp>
-        <p:nvSpPr>
-          <p:cNvPr id="13" name="Rectangle 12">
-            <a:extLst>
-              <a:ext uri="{FF2B5EF4-FFF2-40B4-BE49-F238E27FC236}">
-                <a16:creationId xmlns:a16="http://schemas.microsoft.com/office/drawing/2014/main" id="{73463911-1A6F-4944-A3F3-3A816FE47466}"/>
-              </a:ext>
-            </a:extLst>
-          </p:cNvPr>
-          <p:cNvSpPr/>
-          <p:nvPr/>
-        </p:nvSpPr>
-        <p:spPr>
-          <a:xfrm>
-            <a:off x="222753" y="5454800"/>
-            <a:ext cx="955343" cy="923330"/>
-          </a:xfrm>
-          <a:prstGeom prst="rect">
-            <a:avLst/>
-          </a:prstGeom>
-          <a:noFill/>
-        </p:spPr>
-        <p:txBody>
-          <a:bodyPr wrap="square" lIns="91440" tIns="45720" rIns="91440" bIns="45720">
-            <a:spAutoFit/>
-          </a:bodyPr>
-          <a:lstStyle/>
-          <a:p>
-            <a:pPr algn="ctr"/>
-            <a:r>
-              <a:rPr lang="en-US" sz="5400" b="1" dirty="0">
-                <a:ln w="22225">
-                  <a:solidFill>
-                    <a:schemeClr val="accent2"/>
-                  </a:solidFill>
-                  <a:prstDash val="solid"/>
-                </a:ln>
-                <a:solidFill>
-                  <a:srgbClr val="C00000"/>
-                </a:solidFill>
-              </a:rPr>
-              <a:t>24</a:t>
-            </a:r>
-            <a:endParaRPr lang="en-US" sz="5400" b="1" cap="none" spc="0" dirty="0">
-              <a:ln w="22225">
-                <a:solidFill>
-                  <a:schemeClr val="accent2"/>
-                </a:solidFill>
-                <a:prstDash val="solid"/>
-              </a:ln>
-              <a:solidFill>
-                <a:srgbClr val="C00000"/>
-              </a:solidFill>
-              <a:effectLst/>
-            </a:endParaRPr>
-          </a:p>
-        </p:txBody>
-      </p:sp>
-      <p:sp>
-        <p:nvSpPr>
-          <p:cNvPr id="14" name="Rectangle 13">
-            <a:extLst>
-              <a:ext uri="{FF2B5EF4-FFF2-40B4-BE49-F238E27FC236}">
-                <a16:creationId xmlns:a16="http://schemas.microsoft.com/office/drawing/2014/main" id="{D6C61D6D-E709-4126-8428-F3A5611B6A44}"/>
-              </a:ext>
-            </a:extLst>
-          </p:cNvPr>
-          <p:cNvSpPr/>
-          <p:nvPr/>
-        </p:nvSpPr>
-        <p:spPr>
-          <a:xfrm>
-            <a:off x="4208722" y="5300472"/>
-            <a:ext cx="7202687" cy="369332"/>
-          </a:xfrm>
-          <a:prstGeom prst="rect">
-            <a:avLst/>
-          </a:prstGeom>
-          <a:noFill/>
-        </p:spPr>
-        <p:txBody>
-          <a:bodyPr wrap="square" lIns="91440" tIns="45720" rIns="91440" bIns="45720">
-            <a:spAutoFit/>
-          </a:bodyPr>
-          <a:lstStyle/>
-          <a:p>
-            <a:r>
-              <a:rPr lang="en-US" b="1" cap="none" spc="0" dirty="0">
-                <a:ln w="0"/>
-                <a:solidFill>
-                  <a:schemeClr val="tx1"/>
-                </a:solidFill>
-                <a:effectLst>
-                  <a:outerShdw blurRad="38100" dist="19050" dir="2700000" algn="tl" rotWithShape="0">
-                    <a:schemeClr val="dk1">
-                      <a:alpha val="40000"/>
-                    </a:schemeClr>
-                  </a:outerShdw>
-                </a:effectLst>
-              </a:rPr>
-              <a:t>WILL CALL AS IMI </a:t>
-            </a:r>
-            <a:r>
-              <a:rPr lang="en-US" cap="none" spc="0" dirty="0">
-                <a:ln w="0"/>
-                <a:solidFill>
-                  <a:schemeClr val="tx1"/>
-                </a:solidFill>
-                <a:effectLst>
-                  <a:outerShdw blurRad="38100" dist="19050" dir="2700000" algn="tl" rotWithShape="0">
-                    <a:schemeClr val="dk1">
-                      <a:alpha val="40000"/>
-                    </a:schemeClr>
-                  </a:outerShdw>
-                </a:effectLst>
-              </a:rPr>
-              <a:t>but note that is special circumstance</a:t>
-            </a:r>
-            <a:endParaRPr lang="en-US" b="0" cap="none" spc="0" dirty="0">
-              <a:ln w="0"/>
-              <a:solidFill>
-                <a:schemeClr val="tx1"/>
-              </a:solidFill>
-              <a:effectLst>
-                <a:outerShdw blurRad="38100" dist="19050" dir="2700000" algn="tl" rotWithShape="0">
-                  <a:schemeClr val="dk1">
-                    <a:alpha val="40000"/>
-                  </a:schemeClr>
-                </a:outerShdw>
-              </a:effectLst>
-            </a:endParaRPr>
-          </a:p>
-        </p:txBody>
-      </p:sp>
     </p:spTree>
     <p:extLst>
       <p:ext uri="{BB962C8B-B14F-4D97-AF65-F5344CB8AC3E}">
-        <p14:creationId xmlns:p14="http://schemas.microsoft.com/office/powerpoint/2010/main" val="901317464"/>
+        <p14:creationId xmlns:p14="http://schemas.microsoft.com/office/powerpoint/2010/main" val="429031587"/>
       </p:ext>
     </p:extLst>
   </p:cSld>
@@ -8004,7 +7562,7 @@
 </p:sld>
 </file>
 
-<file path=ppt/slides/slide3.xml><?xml version="1.0" encoding="utf-8"?>
+<file path=ppt/slides/slide13.xml><?xml version="1.0" encoding="utf-8"?>
 <p:sld xmlns:a="http://schemas.openxmlformats.org/drawingml/2006/main" xmlns:r="http://schemas.openxmlformats.org/officeDocument/2006/relationships" xmlns:p="http://schemas.openxmlformats.org/presentationml/2006/main">
   <p:cSld>
     <p:spTree>
@@ -8363,7 +7921,7 @@
     </p:spTree>
     <p:extLst>
       <p:ext uri="{BB962C8B-B14F-4D97-AF65-F5344CB8AC3E}">
-        <p14:creationId xmlns:p14="http://schemas.microsoft.com/office/powerpoint/2010/main" val="2214968306"/>
+        <p14:creationId xmlns:p14="http://schemas.microsoft.com/office/powerpoint/2010/main" val="3541660463"/>
       </p:ext>
     </p:extLst>
   </p:cSld>
@@ -8373,7 +7931,7 @@
 </p:sld>
 </file>
 
-<file path=ppt/slides/slide4.xml><?xml version="1.0" encoding="utf-8"?>
+<file path=ppt/slides/slide14.xml><?xml version="1.0" encoding="utf-8"?>
 <p:sld xmlns:a="http://schemas.openxmlformats.org/drawingml/2006/main" xmlns:r="http://schemas.openxmlformats.org/officeDocument/2006/relationships" xmlns:p="http://schemas.openxmlformats.org/presentationml/2006/main">
   <p:cSld>
     <p:spTree>
@@ -8685,7 +8243,7 @@
         </p:nvSpPr>
         <p:spPr>
           <a:xfrm>
-            <a:off x="4302578" y="5291435"/>
+            <a:off x="4200786" y="4506604"/>
             <a:ext cx="6500973" cy="461665"/>
           </a:xfrm>
           <a:prstGeom prst="rect">
@@ -8932,6 +8490,1850 @@
           </a:p>
         </p:txBody>
       </p:sp>
+      <p:pic>
+        <p:nvPicPr>
+          <p:cNvPr id="8" name="Picture 7">
+            <a:extLst>
+              <a:ext uri="{FF2B5EF4-FFF2-40B4-BE49-F238E27FC236}">
+                <a16:creationId xmlns:a16="http://schemas.microsoft.com/office/drawing/2014/main" id="{00000000-0008-0000-0E00-000014000000}"/>
+              </a:ext>
+            </a:extLst>
+          </p:cNvPr>
+          <p:cNvPicPr>
+            <a:picLocks noChangeAspect="1" noChangeArrowheads="1"/>
+          </p:cNvPicPr>
+          <p:nvPr/>
+        </p:nvPicPr>
+        <p:blipFill rotWithShape="1">
+          <a:blip r:embed="rId4" cstate="print">
+            <a:extLst>
+              <a:ext uri="{28A0092B-C50C-407E-A947-70E740481C1C}">
+                <a14:useLocalDpi xmlns:a14="http://schemas.microsoft.com/office/drawing/2010/main" val="0"/>
+              </a:ext>
+            </a:extLst>
+          </a:blip>
+          <a:srcRect l="6140" t="5088" r="4093" b="5555"/>
+          <a:stretch/>
+        </p:blipFill>
+        <p:spPr bwMode="auto">
+          <a:xfrm>
+            <a:off x="4200787" y="5036954"/>
+            <a:ext cx="3499424" cy="1680851"/>
+          </a:xfrm>
+          <a:prstGeom prst="rect">
+            <a:avLst/>
+          </a:prstGeom>
+          <a:noFill/>
+          <a:extLst>
+            <a:ext uri="{909E8E84-426E-40DD-AFC4-6F175D3DCCD1}">
+              <a14:hiddenFill xmlns:a14="http://schemas.microsoft.com/office/drawing/2010/main">
+                <a:solidFill>
+                  <a:srgbClr val="FFFFFF"/>
+                </a:solidFill>
+              </a14:hiddenFill>
+            </a:ext>
+          </a:extLst>
+        </p:spPr>
+      </p:pic>
+    </p:spTree>
+    <p:extLst>
+      <p:ext uri="{BB962C8B-B14F-4D97-AF65-F5344CB8AC3E}">
+        <p14:creationId xmlns:p14="http://schemas.microsoft.com/office/powerpoint/2010/main" val="2231728785"/>
+      </p:ext>
+    </p:extLst>
+  </p:cSld>
+  <p:clrMapOvr>
+    <a:masterClrMapping/>
+  </p:clrMapOvr>
+</p:sld>
+</file>
+
+<file path=ppt/slides/slide2.xml><?xml version="1.0" encoding="utf-8"?>
+<p:sld xmlns:a="http://schemas.openxmlformats.org/drawingml/2006/main" xmlns:r="http://schemas.openxmlformats.org/officeDocument/2006/relationships" xmlns:p="http://schemas.openxmlformats.org/presentationml/2006/main">
+  <p:cSld>
+    <p:spTree>
+      <p:nvGrpSpPr>
+        <p:cNvPr id="1" name=""/>
+        <p:cNvGrpSpPr/>
+        <p:nvPr/>
+      </p:nvGrpSpPr>
+      <p:grpSpPr>
+        <a:xfrm>
+          <a:off x="0" y="0"/>
+          <a:ext cx="0" cy="0"/>
+          <a:chOff x="0" y="0"/>
+          <a:chExt cx="0" cy="0"/>
+        </a:xfrm>
+      </p:grpSpPr>
+      <p:pic>
+        <p:nvPicPr>
+          <p:cNvPr id="4" name="Picture 2">
+            <a:extLst>
+              <a:ext uri="{FF2B5EF4-FFF2-40B4-BE49-F238E27FC236}">
+                <a16:creationId xmlns:a16="http://schemas.microsoft.com/office/drawing/2014/main" id="{636382D5-0263-42C7-AB98-9E1EDFFF47BC}"/>
+              </a:ext>
+            </a:extLst>
+          </p:cNvPr>
+          <p:cNvPicPr>
+            <a:picLocks noChangeAspect="1" noChangeArrowheads="1"/>
+          </p:cNvPicPr>
+          <p:nvPr/>
+        </p:nvPicPr>
+        <p:blipFill>
+          <a:blip r:embed="rId2">
+            <a:extLst>
+              <a:ext uri="{28A0092B-C50C-407E-A947-70E740481C1C}">
+                <a14:useLocalDpi xmlns:a14="http://schemas.microsoft.com/office/drawing/2010/main" val="0"/>
+              </a:ext>
+            </a:extLst>
+          </a:blip>
+          <a:srcRect/>
+          <a:stretch>
+            <a:fillRect/>
+          </a:stretch>
+        </p:blipFill>
+        <p:spPr bwMode="auto">
+          <a:xfrm>
+            <a:off x="411131" y="2548346"/>
+            <a:ext cx="4180997" cy="2025290"/>
+          </a:xfrm>
+          <a:prstGeom prst="rect">
+            <a:avLst/>
+          </a:prstGeom>
+          <a:noFill/>
+          <a:extLst>
+            <a:ext uri="{909E8E84-426E-40DD-AFC4-6F175D3DCCD1}">
+              <a14:hiddenFill xmlns:a14="http://schemas.microsoft.com/office/drawing/2010/main">
+                <a:solidFill>
+                  <a:srgbClr val="FFFFFF"/>
+                </a:solidFill>
+              </a14:hiddenFill>
+            </a:ext>
+          </a:extLst>
+        </p:spPr>
+      </p:pic>
+      <p:sp>
+        <p:nvSpPr>
+          <p:cNvPr id="5" name="Rectangle 4">
+            <a:extLst>
+              <a:ext uri="{FF2B5EF4-FFF2-40B4-BE49-F238E27FC236}">
+                <a16:creationId xmlns:a16="http://schemas.microsoft.com/office/drawing/2014/main" id="{6C0C12D7-4387-4B94-BEAD-F04BD550A9FB}"/>
+              </a:ext>
+            </a:extLst>
+          </p:cNvPr>
+          <p:cNvSpPr/>
+          <p:nvPr/>
+        </p:nvSpPr>
+        <p:spPr>
+          <a:xfrm>
+            <a:off x="4183940" y="3047942"/>
+            <a:ext cx="3123121" cy="923330"/>
+          </a:xfrm>
+          <a:prstGeom prst="rect">
+            <a:avLst/>
+          </a:prstGeom>
+          <a:noFill/>
+        </p:spPr>
+        <p:txBody>
+          <a:bodyPr wrap="square" lIns="91440" tIns="45720" rIns="91440" bIns="45720">
+            <a:spAutoFit/>
+          </a:bodyPr>
+          <a:lstStyle/>
+          <a:p>
+            <a:pPr algn="ctr"/>
+            <a:r>
+              <a:rPr lang="en-US" b="1" cap="none" spc="0" dirty="0">
+                <a:ln w="0"/>
+                <a:solidFill>
+                  <a:schemeClr val="tx1"/>
+                </a:solidFill>
+                <a:effectLst>
+                  <a:outerShdw blurRad="38100" dist="19050" dir="2700000" algn="tl" rotWithShape="0">
+                    <a:schemeClr val="dk1">
+                      <a:alpha val="40000"/>
+                    </a:schemeClr>
+                  </a:outerShdw>
+                </a:effectLst>
+              </a:rPr>
+              <a:t>Series: </a:t>
+            </a:r>
+            <a:r>
+              <a:rPr lang="en-US" b="0" cap="none" spc="0" dirty="0">
+                <a:ln w="0"/>
+                <a:solidFill>
+                  <a:schemeClr val="tx1"/>
+                </a:solidFill>
+                <a:effectLst>
+                  <a:outerShdw blurRad="38100" dist="19050" dir="2700000" algn="tl" rotWithShape="0">
+                    <a:schemeClr val="dk1">
+                      <a:alpha val="40000"/>
+                    </a:schemeClr>
+                  </a:outerShdw>
+                </a:effectLst>
+              </a:rPr>
+              <a:t>YES IMI and is CNS IMI but don’t know which isolate to attribute to</a:t>
+            </a:r>
+          </a:p>
+        </p:txBody>
+      </p:sp>
+      <p:sp>
+        <p:nvSpPr>
+          <p:cNvPr id="6" name="Rectangle 5">
+            <a:extLst>
+              <a:ext uri="{FF2B5EF4-FFF2-40B4-BE49-F238E27FC236}">
+                <a16:creationId xmlns:a16="http://schemas.microsoft.com/office/drawing/2014/main" id="{306C4B5B-2630-4A31-AF25-23B784563BE4}"/>
+              </a:ext>
+            </a:extLst>
+          </p:cNvPr>
+          <p:cNvSpPr/>
+          <p:nvPr/>
+        </p:nvSpPr>
+        <p:spPr>
+          <a:xfrm>
+            <a:off x="7240469" y="3076563"/>
+            <a:ext cx="4728778" cy="369332"/>
+          </a:xfrm>
+          <a:prstGeom prst="rect">
+            <a:avLst/>
+          </a:prstGeom>
+          <a:noFill/>
+        </p:spPr>
+        <p:txBody>
+          <a:bodyPr wrap="square" lIns="91440" tIns="45720" rIns="91440" bIns="45720">
+            <a:spAutoFit/>
+          </a:bodyPr>
+          <a:lstStyle/>
+          <a:p>
+            <a:pPr algn="ctr"/>
+            <a:r>
+              <a:rPr lang="en-US" b="1" dirty="0">
+                <a:ln w="0"/>
+                <a:effectLst>
+                  <a:outerShdw blurRad="38100" dist="19050" dir="2700000" algn="tl" rotWithShape="0">
+                    <a:schemeClr val="dk1">
+                      <a:alpha val="40000"/>
+                    </a:schemeClr>
+                  </a:outerShdw>
+                </a:effectLst>
+              </a:rPr>
+              <a:t>Parallel</a:t>
+            </a:r>
+            <a:r>
+              <a:rPr lang="en-US" b="1" cap="none" spc="0" dirty="0">
+                <a:ln w="0"/>
+                <a:solidFill>
+                  <a:schemeClr val="tx1"/>
+                </a:solidFill>
+                <a:effectLst>
+                  <a:outerShdw blurRad="38100" dist="19050" dir="2700000" algn="tl" rotWithShape="0">
+                    <a:schemeClr val="dk1">
+                      <a:alpha val="40000"/>
+                    </a:schemeClr>
+                  </a:outerShdw>
+                </a:effectLst>
+              </a:rPr>
+              <a:t>: </a:t>
+            </a:r>
+            <a:r>
+              <a:rPr lang="en-US" b="0" cap="none" spc="0" dirty="0">
+                <a:ln w="0"/>
+                <a:solidFill>
+                  <a:schemeClr val="tx1"/>
+                </a:solidFill>
+                <a:effectLst>
+                  <a:outerShdw blurRad="38100" dist="19050" dir="2700000" algn="tl" rotWithShape="0">
+                    <a:schemeClr val="dk1">
+                      <a:alpha val="40000"/>
+                    </a:schemeClr>
+                  </a:outerShdw>
+                </a:effectLst>
+              </a:rPr>
+              <a:t>yes IMI CNS, can’t tell if mixed</a:t>
+            </a:r>
+          </a:p>
+        </p:txBody>
+      </p:sp>
+      <p:sp>
+        <p:nvSpPr>
+          <p:cNvPr id="7" name="Rectangle 6">
+            <a:extLst>
+              <a:ext uri="{FF2B5EF4-FFF2-40B4-BE49-F238E27FC236}">
+                <a16:creationId xmlns:a16="http://schemas.microsoft.com/office/drawing/2014/main" id="{8BF42764-EB06-4BA4-B537-B315F824BF66}"/>
+              </a:ext>
+            </a:extLst>
+          </p:cNvPr>
+          <p:cNvSpPr/>
+          <p:nvPr/>
+        </p:nvSpPr>
+        <p:spPr>
+          <a:xfrm>
+            <a:off x="222753" y="3716185"/>
+            <a:ext cx="955343" cy="923330"/>
+          </a:xfrm>
+          <a:prstGeom prst="rect">
+            <a:avLst/>
+          </a:prstGeom>
+          <a:noFill/>
+        </p:spPr>
+        <p:txBody>
+          <a:bodyPr wrap="square" lIns="91440" tIns="45720" rIns="91440" bIns="45720">
+            <a:spAutoFit/>
+          </a:bodyPr>
+          <a:lstStyle/>
+          <a:p>
+            <a:pPr algn="ctr"/>
+            <a:r>
+              <a:rPr lang="en-US" sz="5400" b="1" cap="none" spc="0" dirty="0">
+                <a:ln w="22225">
+                  <a:solidFill>
+                    <a:schemeClr val="accent2"/>
+                  </a:solidFill>
+                  <a:prstDash val="solid"/>
+                </a:ln>
+                <a:solidFill>
+                  <a:srgbClr val="C00000"/>
+                </a:solidFill>
+                <a:effectLst/>
+              </a:rPr>
+              <a:t>35</a:t>
+            </a:r>
+          </a:p>
+        </p:txBody>
+      </p:sp>
+      <p:pic>
+        <p:nvPicPr>
+          <p:cNvPr id="8" name="Picture 7">
+            <a:extLst>
+              <a:ext uri="{FF2B5EF4-FFF2-40B4-BE49-F238E27FC236}">
+                <a16:creationId xmlns:a16="http://schemas.microsoft.com/office/drawing/2014/main" id="{FFF54D0A-55C2-4EBF-BF3D-09F6E4600CD4}"/>
+              </a:ext>
+            </a:extLst>
+          </p:cNvPr>
+          <p:cNvPicPr>
+            <a:picLocks noChangeAspect="1"/>
+          </p:cNvPicPr>
+          <p:nvPr/>
+        </p:nvPicPr>
+        <p:blipFill rotWithShape="1">
+          <a:blip r:embed="rId3">
+            <a:extLst>
+              <a:ext uri="{28A0092B-C50C-407E-A947-70E740481C1C}">
+                <a14:useLocalDpi xmlns:a14="http://schemas.microsoft.com/office/drawing/2010/main" val="0"/>
+              </a:ext>
+            </a:extLst>
+          </a:blip>
+          <a:srcRect l="6265" t="49439" r="2243" b="25800"/>
+          <a:stretch/>
+        </p:blipFill>
+        <p:spPr>
+          <a:xfrm>
+            <a:off x="672805" y="375931"/>
+            <a:ext cx="3346910" cy="1680894"/>
+          </a:xfrm>
+          <a:prstGeom prst="rect">
+            <a:avLst/>
+          </a:prstGeom>
+        </p:spPr>
+      </p:pic>
+      <p:sp>
+        <p:nvSpPr>
+          <p:cNvPr id="9" name="Rectangle 8">
+            <a:extLst>
+              <a:ext uri="{FF2B5EF4-FFF2-40B4-BE49-F238E27FC236}">
+                <a16:creationId xmlns:a16="http://schemas.microsoft.com/office/drawing/2014/main" id="{51B980D9-4F77-4113-A1B8-AD15A7499F1E}"/>
+              </a:ext>
+            </a:extLst>
+          </p:cNvPr>
+          <p:cNvSpPr/>
+          <p:nvPr/>
+        </p:nvSpPr>
+        <p:spPr>
+          <a:xfrm>
+            <a:off x="3770334" y="997651"/>
+            <a:ext cx="3080463" cy="1200329"/>
+          </a:xfrm>
+          <a:prstGeom prst="rect">
+            <a:avLst/>
+          </a:prstGeom>
+          <a:noFill/>
+        </p:spPr>
+        <p:txBody>
+          <a:bodyPr wrap="square" lIns="91440" tIns="45720" rIns="91440" bIns="45720">
+            <a:spAutoFit/>
+          </a:bodyPr>
+          <a:lstStyle/>
+          <a:p>
+            <a:pPr algn="ctr"/>
+            <a:r>
+              <a:rPr lang="en-US" b="1" cap="none" spc="0" dirty="0">
+                <a:ln w="0"/>
+                <a:solidFill>
+                  <a:schemeClr val="tx1"/>
+                </a:solidFill>
+                <a:effectLst>
+                  <a:outerShdw blurRad="38100" dist="19050" dir="2700000" algn="tl" rotWithShape="0">
+                    <a:schemeClr val="dk1">
+                      <a:alpha val="40000"/>
+                    </a:schemeClr>
+                  </a:outerShdw>
+                </a:effectLst>
+              </a:rPr>
+              <a:t>Series: </a:t>
+            </a:r>
+            <a:r>
+              <a:rPr lang="en-US" dirty="0">
+                <a:ln w="0"/>
+                <a:effectLst>
+                  <a:outerShdw blurRad="38100" dist="19050" dir="2700000" algn="tl" rotWithShape="0">
+                    <a:schemeClr val="dk1">
+                      <a:alpha val="40000"/>
+                    </a:schemeClr>
+                  </a:outerShdw>
+                </a:effectLst>
+              </a:rPr>
+              <a:t>CNS technically could </a:t>
+            </a:r>
+            <a:r>
+              <a:rPr lang="en-US" b="0" cap="none" spc="0" dirty="0">
+                <a:ln w="0"/>
+                <a:solidFill>
+                  <a:schemeClr val="tx1"/>
+                </a:solidFill>
+                <a:effectLst>
+                  <a:outerShdw blurRad="38100" dist="19050" dir="2700000" algn="tl" rotWithShape="0">
+                    <a:schemeClr val="dk1">
+                      <a:alpha val="40000"/>
+                    </a:schemeClr>
+                  </a:outerShdw>
+                </a:effectLst>
+              </a:rPr>
+              <a:t>be “IMI,” but missed picking second isolate; arguably NSG. Affects mixed infection yes/no</a:t>
+            </a:r>
+          </a:p>
+        </p:txBody>
+      </p:sp>
+      <p:sp>
+        <p:nvSpPr>
+          <p:cNvPr id="10" name="Rectangle 9">
+            <a:extLst>
+              <a:ext uri="{FF2B5EF4-FFF2-40B4-BE49-F238E27FC236}">
+                <a16:creationId xmlns:a16="http://schemas.microsoft.com/office/drawing/2014/main" id="{22E37583-3CBE-49D0-824C-A72FA8FED0FB}"/>
+              </a:ext>
+            </a:extLst>
+          </p:cNvPr>
+          <p:cNvSpPr/>
+          <p:nvPr/>
+        </p:nvSpPr>
+        <p:spPr>
+          <a:xfrm>
+            <a:off x="343809" y="1133495"/>
+            <a:ext cx="886781" cy="923330"/>
+          </a:xfrm>
+          <a:prstGeom prst="rect">
+            <a:avLst/>
+          </a:prstGeom>
+          <a:noFill/>
+        </p:spPr>
+        <p:txBody>
+          <a:bodyPr wrap="none" lIns="91440" tIns="45720" rIns="91440" bIns="45720">
+            <a:spAutoFit/>
+          </a:bodyPr>
+          <a:lstStyle/>
+          <a:p>
+            <a:pPr algn="ctr"/>
+            <a:r>
+              <a:rPr lang="en-US" sz="5400" b="1" dirty="0">
+                <a:ln w="22225">
+                  <a:solidFill>
+                    <a:schemeClr val="accent2"/>
+                  </a:solidFill>
+                  <a:prstDash val="solid"/>
+                </a:ln>
+                <a:solidFill>
+                  <a:srgbClr val="C00000"/>
+                </a:solidFill>
+              </a:rPr>
+              <a:t>21</a:t>
+            </a:r>
+            <a:endParaRPr lang="en-US" sz="5400" b="1" cap="none" spc="0" dirty="0">
+              <a:ln w="22225">
+                <a:solidFill>
+                  <a:schemeClr val="accent2"/>
+                </a:solidFill>
+                <a:prstDash val="solid"/>
+              </a:ln>
+              <a:solidFill>
+                <a:srgbClr val="C00000"/>
+              </a:solidFill>
+              <a:effectLst/>
+            </a:endParaRPr>
+          </a:p>
+        </p:txBody>
+      </p:sp>
+      <p:sp>
+        <p:nvSpPr>
+          <p:cNvPr id="11" name="Rectangle 10">
+            <a:extLst>
+              <a:ext uri="{FF2B5EF4-FFF2-40B4-BE49-F238E27FC236}">
+                <a16:creationId xmlns:a16="http://schemas.microsoft.com/office/drawing/2014/main" id="{B4DABFF4-4F19-40F2-B2EB-B7DECA970C09}"/>
+              </a:ext>
+            </a:extLst>
+          </p:cNvPr>
+          <p:cNvSpPr/>
+          <p:nvPr/>
+        </p:nvSpPr>
+        <p:spPr>
+          <a:xfrm>
+            <a:off x="6966234" y="1133495"/>
+            <a:ext cx="3707756" cy="923330"/>
+          </a:xfrm>
+          <a:prstGeom prst="rect">
+            <a:avLst/>
+          </a:prstGeom>
+          <a:noFill/>
+        </p:spPr>
+        <p:txBody>
+          <a:bodyPr wrap="square" lIns="91440" tIns="45720" rIns="91440" bIns="45720">
+            <a:spAutoFit/>
+          </a:bodyPr>
+          <a:lstStyle/>
+          <a:p>
+            <a:pPr algn="ctr"/>
+            <a:r>
+              <a:rPr lang="en-US" b="1" dirty="0">
+                <a:ln w="0"/>
+                <a:effectLst>
+                  <a:outerShdw blurRad="38100" dist="19050" dir="2700000" algn="tl" rotWithShape="0">
+                    <a:schemeClr val="dk1">
+                      <a:alpha val="40000"/>
+                    </a:schemeClr>
+                  </a:outerShdw>
+                </a:effectLst>
+              </a:rPr>
+              <a:t>Parallel</a:t>
+            </a:r>
+            <a:r>
+              <a:rPr lang="en-US" b="1" cap="none" spc="0" dirty="0">
+                <a:ln w="0"/>
+                <a:solidFill>
+                  <a:schemeClr val="tx1"/>
+                </a:solidFill>
+                <a:effectLst>
+                  <a:outerShdw blurRad="38100" dist="19050" dir="2700000" algn="tl" rotWithShape="0">
+                    <a:schemeClr val="dk1">
+                      <a:alpha val="40000"/>
+                    </a:schemeClr>
+                  </a:outerShdw>
+                </a:effectLst>
+              </a:rPr>
+              <a:t>: </a:t>
+            </a:r>
+            <a:r>
+              <a:rPr lang="en-US" dirty="0">
+                <a:ln w="0"/>
+                <a:effectLst>
+                  <a:outerShdw blurRad="38100" dist="19050" dir="2700000" algn="tl" rotWithShape="0">
+                    <a:schemeClr val="dk1">
+                      <a:alpha val="40000"/>
+                    </a:schemeClr>
+                  </a:outerShdw>
+                </a:effectLst>
+              </a:rPr>
+              <a:t>not</a:t>
+            </a:r>
+            <a:r>
+              <a:rPr lang="en-US" b="0" cap="none" spc="0" dirty="0">
+                <a:ln w="0"/>
+                <a:solidFill>
+                  <a:schemeClr val="tx1"/>
+                </a:solidFill>
+                <a:effectLst>
+                  <a:outerShdw blurRad="38100" dist="19050" dir="2700000" algn="tl" rotWithShape="0">
+                    <a:schemeClr val="dk1">
+                      <a:alpha val="40000"/>
+                    </a:schemeClr>
+                  </a:outerShdw>
+                </a:effectLst>
+              </a:rPr>
+              <a:t> an “IMI” if use </a:t>
+            </a:r>
+            <a:r>
+              <a:rPr lang="en-US" dirty="0">
+                <a:ln w="0"/>
+                <a:effectLst>
+                  <a:outerShdw blurRad="38100" dist="19050" dir="2700000" algn="tl" rotWithShape="0">
+                    <a:schemeClr val="dk1">
+                      <a:alpha val="40000"/>
+                    </a:schemeClr>
+                  </a:outerShdw>
+                </a:effectLst>
+              </a:rPr>
+              <a:t>rule of ≥3 CFU of 1 morph in one dup</a:t>
+            </a:r>
+            <a:r>
+              <a:rPr lang="en-US" b="0" cap="none" spc="0" dirty="0">
+                <a:ln w="0"/>
+                <a:solidFill>
+                  <a:schemeClr val="tx1"/>
+                </a:solidFill>
+                <a:effectLst>
+                  <a:outerShdw blurRad="38100" dist="19050" dir="2700000" algn="tl" rotWithShape="0">
+                    <a:schemeClr val="dk1">
+                      <a:alpha val="40000"/>
+                    </a:schemeClr>
+                  </a:outerShdw>
+                </a:effectLst>
+              </a:rPr>
+              <a:t>; questionable as NSG?</a:t>
+            </a:r>
+          </a:p>
+        </p:txBody>
+      </p:sp>
+      <p:pic>
+        <p:nvPicPr>
+          <p:cNvPr id="12" name="Picture 8">
+            <a:extLst>
+              <a:ext uri="{FF2B5EF4-FFF2-40B4-BE49-F238E27FC236}">
+                <a16:creationId xmlns:a16="http://schemas.microsoft.com/office/drawing/2014/main" id="{1DB445B7-595E-4F5B-94C9-99B5EBE57740}"/>
+              </a:ext>
+            </a:extLst>
+          </p:cNvPr>
+          <p:cNvPicPr>
+            <a:picLocks noChangeAspect="1" noChangeArrowheads="1"/>
+          </p:cNvPicPr>
+          <p:nvPr/>
+        </p:nvPicPr>
+        <p:blipFill>
+          <a:blip r:embed="rId4">
+            <a:extLst>
+              <a:ext uri="{28A0092B-C50C-407E-A947-70E740481C1C}">
+                <a14:useLocalDpi xmlns:a14="http://schemas.microsoft.com/office/drawing/2010/main" val="0"/>
+              </a:ext>
+            </a:extLst>
+          </a:blip>
+          <a:srcRect/>
+          <a:stretch>
+            <a:fillRect/>
+          </a:stretch>
+        </p:blipFill>
+        <p:spPr bwMode="auto">
+          <a:xfrm>
+            <a:off x="536213" y="4691427"/>
+            <a:ext cx="3791094" cy="1836420"/>
+          </a:xfrm>
+          <a:prstGeom prst="rect">
+            <a:avLst/>
+          </a:prstGeom>
+          <a:noFill/>
+          <a:extLst>
+            <a:ext uri="{909E8E84-426E-40DD-AFC4-6F175D3DCCD1}">
+              <a14:hiddenFill xmlns:a14="http://schemas.microsoft.com/office/drawing/2010/main">
+                <a:solidFill>
+                  <a:srgbClr val="FFFFFF"/>
+                </a:solidFill>
+              </a14:hiddenFill>
+            </a:ext>
+          </a:extLst>
+        </p:spPr>
+      </p:pic>
+      <p:sp>
+        <p:nvSpPr>
+          <p:cNvPr id="13" name="Rectangle 12">
+            <a:extLst>
+              <a:ext uri="{FF2B5EF4-FFF2-40B4-BE49-F238E27FC236}">
+                <a16:creationId xmlns:a16="http://schemas.microsoft.com/office/drawing/2014/main" id="{73463911-1A6F-4944-A3F3-3A816FE47466}"/>
+              </a:ext>
+            </a:extLst>
+          </p:cNvPr>
+          <p:cNvSpPr/>
+          <p:nvPr/>
+        </p:nvSpPr>
+        <p:spPr>
+          <a:xfrm>
+            <a:off x="222753" y="5454800"/>
+            <a:ext cx="955343" cy="923330"/>
+          </a:xfrm>
+          <a:prstGeom prst="rect">
+            <a:avLst/>
+          </a:prstGeom>
+          <a:noFill/>
+        </p:spPr>
+        <p:txBody>
+          <a:bodyPr wrap="square" lIns="91440" tIns="45720" rIns="91440" bIns="45720">
+            <a:spAutoFit/>
+          </a:bodyPr>
+          <a:lstStyle/>
+          <a:p>
+            <a:pPr algn="ctr"/>
+            <a:r>
+              <a:rPr lang="en-US" sz="5400" b="1" dirty="0">
+                <a:ln w="22225">
+                  <a:solidFill>
+                    <a:schemeClr val="accent2"/>
+                  </a:solidFill>
+                  <a:prstDash val="solid"/>
+                </a:ln>
+                <a:solidFill>
+                  <a:srgbClr val="C00000"/>
+                </a:solidFill>
+              </a:rPr>
+              <a:t>24</a:t>
+            </a:r>
+            <a:endParaRPr lang="en-US" sz="5400" b="1" cap="none" spc="0" dirty="0">
+              <a:ln w="22225">
+                <a:solidFill>
+                  <a:schemeClr val="accent2"/>
+                </a:solidFill>
+                <a:prstDash val="solid"/>
+              </a:ln>
+              <a:solidFill>
+                <a:srgbClr val="C00000"/>
+              </a:solidFill>
+              <a:effectLst/>
+            </a:endParaRPr>
+          </a:p>
+        </p:txBody>
+      </p:sp>
+      <p:sp>
+        <p:nvSpPr>
+          <p:cNvPr id="14" name="Rectangle 13">
+            <a:extLst>
+              <a:ext uri="{FF2B5EF4-FFF2-40B4-BE49-F238E27FC236}">
+                <a16:creationId xmlns:a16="http://schemas.microsoft.com/office/drawing/2014/main" id="{D6C61D6D-E709-4126-8428-F3A5611B6A44}"/>
+              </a:ext>
+            </a:extLst>
+          </p:cNvPr>
+          <p:cNvSpPr/>
+          <p:nvPr/>
+        </p:nvSpPr>
+        <p:spPr>
+          <a:xfrm>
+            <a:off x="4208722" y="5300472"/>
+            <a:ext cx="7202687" cy="369332"/>
+          </a:xfrm>
+          <a:prstGeom prst="rect">
+            <a:avLst/>
+          </a:prstGeom>
+          <a:noFill/>
+        </p:spPr>
+        <p:txBody>
+          <a:bodyPr wrap="square" lIns="91440" tIns="45720" rIns="91440" bIns="45720">
+            <a:spAutoFit/>
+          </a:bodyPr>
+          <a:lstStyle/>
+          <a:p>
+            <a:r>
+              <a:rPr lang="en-US" b="1" cap="none" spc="0" dirty="0">
+                <a:ln w="0"/>
+                <a:solidFill>
+                  <a:schemeClr val="tx1"/>
+                </a:solidFill>
+                <a:effectLst>
+                  <a:outerShdw blurRad="38100" dist="19050" dir="2700000" algn="tl" rotWithShape="0">
+                    <a:schemeClr val="dk1">
+                      <a:alpha val="40000"/>
+                    </a:schemeClr>
+                  </a:outerShdw>
+                </a:effectLst>
+              </a:rPr>
+              <a:t>WILL CALL AS IMI </a:t>
+            </a:r>
+            <a:r>
+              <a:rPr lang="en-US" cap="none" spc="0" dirty="0">
+                <a:ln w="0"/>
+                <a:solidFill>
+                  <a:schemeClr val="tx1"/>
+                </a:solidFill>
+                <a:effectLst>
+                  <a:outerShdw blurRad="38100" dist="19050" dir="2700000" algn="tl" rotWithShape="0">
+                    <a:schemeClr val="dk1">
+                      <a:alpha val="40000"/>
+                    </a:schemeClr>
+                  </a:outerShdw>
+                </a:effectLst>
+              </a:rPr>
+              <a:t>but note that is special circumstance</a:t>
+            </a:r>
+            <a:endParaRPr lang="en-US" b="0" cap="none" spc="0" dirty="0">
+              <a:ln w="0"/>
+              <a:solidFill>
+                <a:schemeClr val="tx1"/>
+              </a:solidFill>
+              <a:effectLst>
+                <a:outerShdw blurRad="38100" dist="19050" dir="2700000" algn="tl" rotWithShape="0">
+                  <a:schemeClr val="dk1">
+                    <a:alpha val="40000"/>
+                  </a:schemeClr>
+                </a:outerShdw>
+              </a:effectLst>
+            </a:endParaRPr>
+          </a:p>
+        </p:txBody>
+      </p:sp>
+    </p:spTree>
+    <p:extLst>
+      <p:ext uri="{BB962C8B-B14F-4D97-AF65-F5344CB8AC3E}">
+        <p14:creationId xmlns:p14="http://schemas.microsoft.com/office/powerpoint/2010/main" val="901317464"/>
+      </p:ext>
+    </p:extLst>
+  </p:cSld>
+  <p:clrMapOvr>
+    <a:masterClrMapping/>
+  </p:clrMapOvr>
+</p:sld>
+</file>
+
+<file path=ppt/slides/slide3.xml><?xml version="1.0" encoding="utf-8"?>
+<p:sld xmlns:a="http://schemas.openxmlformats.org/drawingml/2006/main" xmlns:r="http://schemas.openxmlformats.org/officeDocument/2006/relationships" xmlns:p="http://schemas.openxmlformats.org/presentationml/2006/main">
+  <p:cSld>
+    <p:spTree>
+      <p:nvGrpSpPr>
+        <p:cNvPr id="1" name=""/>
+        <p:cNvGrpSpPr/>
+        <p:nvPr/>
+      </p:nvGrpSpPr>
+      <p:grpSpPr>
+        <a:xfrm>
+          <a:off x="0" y="0"/>
+          <a:ext cx="0" cy="0"/>
+          <a:chOff x="0" y="0"/>
+          <a:chExt cx="0" cy="0"/>
+        </a:xfrm>
+      </p:grpSpPr>
+      <p:sp>
+        <p:nvSpPr>
+          <p:cNvPr id="4" name="Rectangle 3">
+            <a:extLst>
+              <a:ext uri="{FF2B5EF4-FFF2-40B4-BE49-F238E27FC236}">
+                <a16:creationId xmlns:a16="http://schemas.microsoft.com/office/drawing/2014/main" id="{3F368461-6B18-4ECE-9D33-EF73F590CB2B}"/>
+              </a:ext>
+            </a:extLst>
+          </p:cNvPr>
+          <p:cNvSpPr/>
+          <p:nvPr/>
+        </p:nvSpPr>
+        <p:spPr>
+          <a:xfrm>
+            <a:off x="4789556" y="571399"/>
+            <a:ext cx="7622722" cy="923330"/>
+          </a:xfrm>
+          <a:prstGeom prst="rect">
+            <a:avLst/>
+          </a:prstGeom>
+          <a:noFill/>
+        </p:spPr>
+        <p:txBody>
+          <a:bodyPr wrap="square" lIns="91440" tIns="45720" rIns="91440" bIns="45720">
+            <a:spAutoFit/>
+          </a:bodyPr>
+          <a:lstStyle/>
+          <a:p>
+            <a:pPr algn="ctr"/>
+            <a:r>
+              <a:rPr lang="en-US" sz="5400" b="1" dirty="0">
+                <a:ln w="0"/>
+                <a:effectLst>
+                  <a:outerShdw blurRad="38100" dist="19050" dir="2700000" algn="tl" rotWithShape="0">
+                    <a:schemeClr val="dk1">
+                      <a:alpha val="40000"/>
+                    </a:schemeClr>
+                  </a:outerShdw>
+                </a:effectLst>
+              </a:rPr>
+              <a:t>“Negative” for IMI</a:t>
+            </a:r>
+            <a:endParaRPr lang="en-US" sz="3200" b="1" dirty="0">
+              <a:ln w="0"/>
+              <a:effectLst>
+                <a:outerShdw blurRad="38100" dist="19050" dir="2700000" algn="tl" rotWithShape="0">
+                  <a:schemeClr val="dk1">
+                    <a:alpha val="40000"/>
+                  </a:schemeClr>
+                </a:outerShdw>
+              </a:effectLst>
+            </a:endParaRPr>
+          </a:p>
+        </p:txBody>
+      </p:sp>
+      <p:sp>
+        <p:nvSpPr>
+          <p:cNvPr id="5" name="Rectangle 4">
+            <a:extLst>
+              <a:ext uri="{FF2B5EF4-FFF2-40B4-BE49-F238E27FC236}">
+                <a16:creationId xmlns:a16="http://schemas.microsoft.com/office/drawing/2014/main" id="{E321BAB2-1DFB-4E64-BCCA-C2F79262D2DE}"/>
+              </a:ext>
+            </a:extLst>
+          </p:cNvPr>
+          <p:cNvSpPr/>
+          <p:nvPr/>
+        </p:nvSpPr>
+        <p:spPr>
+          <a:xfrm>
+            <a:off x="642202" y="849654"/>
+            <a:ext cx="535724" cy="923330"/>
+          </a:xfrm>
+          <a:prstGeom prst="rect">
+            <a:avLst/>
+          </a:prstGeom>
+          <a:noFill/>
+        </p:spPr>
+        <p:txBody>
+          <a:bodyPr wrap="none" lIns="91440" tIns="45720" rIns="91440" bIns="45720">
+            <a:spAutoFit/>
+          </a:bodyPr>
+          <a:lstStyle/>
+          <a:p>
+            <a:pPr algn="ctr"/>
+            <a:r>
+              <a:rPr lang="en-US" sz="5400" b="1" dirty="0">
+                <a:ln w="22225">
+                  <a:solidFill>
+                    <a:schemeClr val="accent2"/>
+                  </a:solidFill>
+                  <a:prstDash val="solid"/>
+                </a:ln>
+                <a:solidFill>
+                  <a:srgbClr val="C00000"/>
+                </a:solidFill>
+              </a:rPr>
+              <a:t>3</a:t>
+            </a:r>
+            <a:endParaRPr lang="en-US" sz="5400" b="1" cap="none" spc="0" dirty="0">
+              <a:ln w="22225">
+                <a:solidFill>
+                  <a:schemeClr val="accent2"/>
+                </a:solidFill>
+                <a:prstDash val="solid"/>
+              </a:ln>
+              <a:solidFill>
+                <a:srgbClr val="C00000"/>
+              </a:solidFill>
+              <a:effectLst/>
+            </a:endParaRPr>
+          </a:p>
+        </p:txBody>
+      </p:sp>
+      <p:sp>
+        <p:nvSpPr>
+          <p:cNvPr id="7" name="Rectangle 6">
+            <a:extLst>
+              <a:ext uri="{FF2B5EF4-FFF2-40B4-BE49-F238E27FC236}">
+                <a16:creationId xmlns:a16="http://schemas.microsoft.com/office/drawing/2014/main" id="{0187EB56-4297-423A-A3CC-A8F9995ED78D}"/>
+              </a:ext>
+            </a:extLst>
+          </p:cNvPr>
+          <p:cNvSpPr/>
+          <p:nvPr/>
+        </p:nvSpPr>
+        <p:spPr>
+          <a:xfrm>
+            <a:off x="642202" y="2527799"/>
+            <a:ext cx="535724" cy="923330"/>
+          </a:xfrm>
+          <a:prstGeom prst="rect">
+            <a:avLst/>
+          </a:prstGeom>
+          <a:noFill/>
+        </p:spPr>
+        <p:txBody>
+          <a:bodyPr wrap="none" lIns="91440" tIns="45720" rIns="91440" bIns="45720">
+            <a:spAutoFit/>
+          </a:bodyPr>
+          <a:lstStyle/>
+          <a:p>
+            <a:pPr algn="ctr"/>
+            <a:r>
+              <a:rPr lang="en-US" sz="5400" b="1" cap="none" spc="0" dirty="0">
+                <a:ln w="22225">
+                  <a:solidFill>
+                    <a:schemeClr val="accent2"/>
+                  </a:solidFill>
+                  <a:prstDash val="solid"/>
+                </a:ln>
+                <a:solidFill>
+                  <a:srgbClr val="C00000"/>
+                </a:solidFill>
+                <a:effectLst/>
+              </a:rPr>
+              <a:t>5</a:t>
+            </a:r>
+          </a:p>
+        </p:txBody>
+      </p:sp>
+      <p:sp>
+        <p:nvSpPr>
+          <p:cNvPr id="10" name="Rectangle 9">
+            <a:extLst>
+              <a:ext uri="{FF2B5EF4-FFF2-40B4-BE49-F238E27FC236}">
+                <a16:creationId xmlns:a16="http://schemas.microsoft.com/office/drawing/2014/main" id="{F05B6C29-42A7-48C2-A216-6B23245AACF0}"/>
+              </a:ext>
+            </a:extLst>
+          </p:cNvPr>
+          <p:cNvSpPr/>
+          <p:nvPr/>
+        </p:nvSpPr>
+        <p:spPr>
+          <a:xfrm>
+            <a:off x="5328858" y="3345846"/>
+            <a:ext cx="3864330" cy="646331"/>
+          </a:xfrm>
+          <a:prstGeom prst="rect">
+            <a:avLst/>
+          </a:prstGeom>
+          <a:noFill/>
+        </p:spPr>
+        <p:txBody>
+          <a:bodyPr wrap="square" lIns="91440" tIns="45720" rIns="91440" bIns="45720">
+            <a:spAutoFit/>
+          </a:bodyPr>
+          <a:lstStyle/>
+          <a:p>
+            <a:pPr algn="ctr"/>
+            <a:r>
+              <a:rPr lang="en-US" b="1" dirty="0">
+                <a:solidFill>
+                  <a:srgbClr val="1B15FF"/>
+                </a:solidFill>
+              </a:rPr>
+              <a:t>≤2 CFU of each morph in ONE dup, NG in other, or just molds in 1</a:t>
+            </a:r>
+          </a:p>
+        </p:txBody>
+      </p:sp>
+      <p:sp>
+        <p:nvSpPr>
+          <p:cNvPr id="2" name="Rectangle 1">
+            <a:extLst>
+              <a:ext uri="{FF2B5EF4-FFF2-40B4-BE49-F238E27FC236}">
+                <a16:creationId xmlns:a16="http://schemas.microsoft.com/office/drawing/2014/main" id="{12EDAFAA-1DE4-4246-E175-05DF9D5DBA25}"/>
+              </a:ext>
+            </a:extLst>
+          </p:cNvPr>
+          <p:cNvSpPr/>
+          <p:nvPr/>
+        </p:nvSpPr>
+        <p:spPr>
+          <a:xfrm>
+            <a:off x="642202" y="4877876"/>
+            <a:ext cx="535724" cy="923330"/>
+          </a:xfrm>
+          <a:prstGeom prst="rect">
+            <a:avLst/>
+          </a:prstGeom>
+          <a:noFill/>
+        </p:spPr>
+        <p:txBody>
+          <a:bodyPr wrap="none" lIns="91440" tIns="45720" rIns="91440" bIns="45720">
+            <a:spAutoFit/>
+          </a:bodyPr>
+          <a:lstStyle/>
+          <a:p>
+            <a:pPr algn="ctr"/>
+            <a:r>
+              <a:rPr lang="en-US" sz="5400" b="1" dirty="0">
+                <a:ln w="22225">
+                  <a:solidFill>
+                    <a:schemeClr val="accent2"/>
+                  </a:solidFill>
+                  <a:prstDash val="solid"/>
+                </a:ln>
+                <a:solidFill>
+                  <a:srgbClr val="C00000"/>
+                </a:solidFill>
+              </a:rPr>
+              <a:t>6</a:t>
+            </a:r>
+            <a:endParaRPr lang="en-US" sz="5400" b="1" cap="none" spc="0" dirty="0">
+              <a:ln w="22225">
+                <a:solidFill>
+                  <a:schemeClr val="accent2"/>
+                </a:solidFill>
+                <a:prstDash val="solid"/>
+              </a:ln>
+              <a:solidFill>
+                <a:srgbClr val="C00000"/>
+              </a:solidFill>
+              <a:effectLst/>
+            </a:endParaRPr>
+          </a:p>
+        </p:txBody>
+      </p:sp>
+      <p:sp>
+        <p:nvSpPr>
+          <p:cNvPr id="8" name="Rectangle 7">
+            <a:extLst>
+              <a:ext uri="{FF2B5EF4-FFF2-40B4-BE49-F238E27FC236}">
+                <a16:creationId xmlns:a16="http://schemas.microsoft.com/office/drawing/2014/main" id="{9F773660-337E-7EAE-E2C6-11B6AA4C86B0}"/>
+              </a:ext>
+            </a:extLst>
+          </p:cNvPr>
+          <p:cNvSpPr/>
+          <p:nvPr/>
+        </p:nvSpPr>
+        <p:spPr>
+          <a:xfrm>
+            <a:off x="5904325" y="5339541"/>
+            <a:ext cx="6500973" cy="1200329"/>
+          </a:xfrm>
+          <a:prstGeom prst="rect">
+            <a:avLst/>
+          </a:prstGeom>
+          <a:noFill/>
+        </p:spPr>
+        <p:txBody>
+          <a:bodyPr wrap="square" lIns="91440" tIns="45720" rIns="91440" bIns="45720">
+            <a:spAutoFit/>
+          </a:bodyPr>
+          <a:lstStyle/>
+          <a:p>
+            <a:pPr algn="ctr"/>
+            <a:r>
+              <a:rPr lang="en-US" sz="2400" b="0" cap="none" spc="0" dirty="0">
+                <a:ln w="0"/>
+                <a:solidFill>
+                  <a:schemeClr val="tx1"/>
+                </a:solidFill>
+                <a:effectLst>
+                  <a:outerShdw blurRad="38100" dist="19050" dir="2700000" algn="tl" rotWithShape="0">
+                    <a:schemeClr val="dk1">
+                      <a:alpha val="40000"/>
+                    </a:schemeClr>
+                  </a:outerShdw>
+                </a:effectLst>
+              </a:rPr>
+              <a:t>Would classify at this time (in series) as “No significant growth” </a:t>
+            </a:r>
+            <a:r>
+              <a:rPr lang="en-US" sz="2400" b="1" dirty="0">
+                <a:ln w="0"/>
+                <a:effectLst>
+                  <a:outerShdw blurRad="38100" dist="19050" dir="2700000" algn="tl" rotWithShape="0">
+                    <a:schemeClr val="dk1">
+                      <a:alpha val="40000"/>
+                    </a:schemeClr>
+                  </a:outerShdw>
+                </a:effectLst>
+              </a:rPr>
+              <a:t>NOT SAME ORG</a:t>
+            </a:r>
+            <a:r>
+              <a:rPr lang="en-US" sz="2400" b="0" cap="none" spc="0" dirty="0">
+                <a:ln w="0"/>
+                <a:solidFill>
+                  <a:schemeClr val="tx1"/>
+                </a:solidFill>
+                <a:effectLst>
+                  <a:outerShdw blurRad="38100" dist="19050" dir="2700000" algn="tl" rotWithShape="0">
+                    <a:schemeClr val="dk1">
+                      <a:alpha val="40000"/>
+                    </a:schemeClr>
+                  </a:outerShdw>
+                </a:effectLst>
+              </a:rPr>
+              <a:t> on both duplicates, AND fewer than 3 CFU of one morph</a:t>
+            </a:r>
+          </a:p>
+        </p:txBody>
+      </p:sp>
+      <p:pic>
+        <p:nvPicPr>
+          <p:cNvPr id="11" name="Picture 10">
+            <a:extLst>
+              <a:ext uri="{FF2B5EF4-FFF2-40B4-BE49-F238E27FC236}">
+                <a16:creationId xmlns:a16="http://schemas.microsoft.com/office/drawing/2014/main" id="{00000000-0008-0000-0E00-000013000000}"/>
+              </a:ext>
+            </a:extLst>
+          </p:cNvPr>
+          <p:cNvPicPr>
+            <a:picLocks noChangeAspect="1" noChangeArrowheads="1"/>
+          </p:cNvPicPr>
+          <p:nvPr/>
+        </p:nvPicPr>
+        <p:blipFill rotWithShape="1">
+          <a:blip r:embed="rId2" cstate="print">
+            <a:extLst>
+              <a:ext uri="{28A0092B-C50C-407E-A947-70E740481C1C}">
+                <a14:useLocalDpi xmlns:a14="http://schemas.microsoft.com/office/drawing/2010/main" val="0"/>
+              </a:ext>
+            </a:extLst>
+          </a:blip>
+          <a:srcRect l="7960" t="5206" r="6716" b="6638"/>
+          <a:stretch/>
+        </p:blipFill>
+        <p:spPr bwMode="auto">
+          <a:xfrm>
+            <a:off x="1246127" y="279133"/>
+            <a:ext cx="4055504" cy="1915427"/>
+          </a:xfrm>
+          <a:prstGeom prst="rect">
+            <a:avLst/>
+          </a:prstGeom>
+          <a:noFill/>
+          <a:extLst>
+            <a:ext uri="{909E8E84-426E-40DD-AFC4-6F175D3DCCD1}">
+              <a14:hiddenFill xmlns:a14="http://schemas.microsoft.com/office/drawing/2010/main">
+                <a:solidFill>
+                  <a:srgbClr val="FFFFFF"/>
+                </a:solidFill>
+              </a14:hiddenFill>
+            </a:ext>
+          </a:extLst>
+        </p:spPr>
+      </p:pic>
+      <p:pic>
+        <p:nvPicPr>
+          <p:cNvPr id="12" name="Picture 11">
+            <a:extLst>
+              <a:ext uri="{FF2B5EF4-FFF2-40B4-BE49-F238E27FC236}">
+                <a16:creationId xmlns:a16="http://schemas.microsoft.com/office/drawing/2014/main" id="{00000000-0008-0000-0E00-000015000000}"/>
+              </a:ext>
+            </a:extLst>
+          </p:cNvPr>
+          <p:cNvPicPr>
+            <a:picLocks noChangeAspect="1" noChangeArrowheads="1"/>
+          </p:cNvPicPr>
+          <p:nvPr/>
+        </p:nvPicPr>
+        <p:blipFill rotWithShape="1">
+          <a:blip r:embed="rId3" cstate="print">
+            <a:extLst>
+              <a:ext uri="{28A0092B-C50C-407E-A947-70E740481C1C}">
+                <a14:useLocalDpi xmlns:a14="http://schemas.microsoft.com/office/drawing/2010/main" val="0"/>
+              </a:ext>
+            </a:extLst>
+          </a:blip>
+          <a:srcRect l="7141" t="5405" r="7675" b="6908"/>
+          <a:stretch/>
+        </p:blipFill>
+        <p:spPr bwMode="auto">
+          <a:xfrm>
+            <a:off x="1208908" y="2349723"/>
+            <a:ext cx="4235666" cy="1992247"/>
+          </a:xfrm>
+          <a:prstGeom prst="rect">
+            <a:avLst/>
+          </a:prstGeom>
+          <a:noFill/>
+          <a:extLst>
+            <a:ext uri="{909E8E84-426E-40DD-AFC4-6F175D3DCCD1}">
+              <a14:hiddenFill xmlns:a14="http://schemas.microsoft.com/office/drawing/2010/main">
+                <a:solidFill>
+                  <a:srgbClr val="FFFFFF"/>
+                </a:solidFill>
+              </a14:hiddenFill>
+            </a:ext>
+          </a:extLst>
+        </p:spPr>
+      </p:pic>
+      <p:pic>
+        <p:nvPicPr>
+          <p:cNvPr id="13" name="Picture 12">
+            <a:extLst>
+              <a:ext uri="{FF2B5EF4-FFF2-40B4-BE49-F238E27FC236}">
+                <a16:creationId xmlns:a16="http://schemas.microsoft.com/office/drawing/2014/main" id="{00000000-0008-0000-0E00-000016000000}"/>
+              </a:ext>
+            </a:extLst>
+          </p:cNvPr>
+          <p:cNvPicPr>
+            <a:picLocks noChangeAspect="1" noChangeArrowheads="1"/>
+          </p:cNvPicPr>
+          <p:nvPr/>
+        </p:nvPicPr>
+        <p:blipFill rotWithShape="1">
+          <a:blip r:embed="rId4" cstate="print">
+            <a:extLst>
+              <a:ext uri="{28A0092B-C50C-407E-A947-70E740481C1C}">
+                <a14:useLocalDpi xmlns:a14="http://schemas.microsoft.com/office/drawing/2010/main" val="0"/>
+              </a:ext>
+            </a:extLst>
+          </a:blip>
+          <a:srcRect l="4116" t="6669" r="6213" b="7879"/>
+          <a:stretch/>
+        </p:blipFill>
+        <p:spPr bwMode="auto">
+          <a:xfrm>
+            <a:off x="1272731" y="4573458"/>
+            <a:ext cx="4631594" cy="2143584"/>
+          </a:xfrm>
+          <a:prstGeom prst="rect">
+            <a:avLst/>
+          </a:prstGeom>
+          <a:noFill/>
+          <a:extLst>
+            <a:ext uri="{909E8E84-426E-40DD-AFC4-6F175D3DCCD1}">
+              <a14:hiddenFill xmlns:a14="http://schemas.microsoft.com/office/drawing/2010/main">
+                <a:solidFill>
+                  <a:srgbClr val="FFFFFF"/>
+                </a:solidFill>
+              </a14:hiddenFill>
+            </a:ext>
+          </a:extLst>
+        </p:spPr>
+      </p:pic>
+      <p:sp>
+        <p:nvSpPr>
+          <p:cNvPr id="14" name="Rectangle 13">
+            <a:extLst>
+              <a:ext uri="{FF2B5EF4-FFF2-40B4-BE49-F238E27FC236}">
+                <a16:creationId xmlns:a16="http://schemas.microsoft.com/office/drawing/2014/main" id="{0624ECEB-8935-43D7-8044-29BBEF5BD3E6}"/>
+              </a:ext>
+            </a:extLst>
+          </p:cNvPr>
+          <p:cNvSpPr/>
+          <p:nvPr/>
+        </p:nvSpPr>
+        <p:spPr>
+          <a:xfrm>
+            <a:off x="5999130" y="4758260"/>
+            <a:ext cx="3724559" cy="646331"/>
+          </a:xfrm>
+          <a:prstGeom prst="rect">
+            <a:avLst/>
+          </a:prstGeom>
+          <a:noFill/>
+        </p:spPr>
+        <p:txBody>
+          <a:bodyPr wrap="square" lIns="91440" tIns="45720" rIns="91440" bIns="45720">
+            <a:spAutoFit/>
+          </a:bodyPr>
+          <a:lstStyle/>
+          <a:p>
+            <a:pPr algn="ctr"/>
+            <a:r>
+              <a:rPr lang="en-US" b="1" dirty="0">
+                <a:solidFill>
+                  <a:srgbClr val="1B15FF"/>
+                </a:solidFill>
+              </a:rPr>
+              <a:t>≤2 CFU of each morph in BOTH dup, NOT SAME ORG</a:t>
+            </a:r>
+          </a:p>
+        </p:txBody>
+      </p:sp>
+    </p:spTree>
+    <p:extLst>
+      <p:ext uri="{BB962C8B-B14F-4D97-AF65-F5344CB8AC3E}">
+        <p14:creationId xmlns:p14="http://schemas.microsoft.com/office/powerpoint/2010/main" val="2214968306"/>
+      </p:ext>
+    </p:extLst>
+  </p:cSld>
+  <p:clrMapOvr>
+    <a:masterClrMapping/>
+  </p:clrMapOvr>
+</p:sld>
+</file>
+
+<file path=ppt/slides/slide4.xml><?xml version="1.0" encoding="utf-8"?>
+<p:sld xmlns:a="http://schemas.openxmlformats.org/drawingml/2006/main" xmlns:r="http://schemas.openxmlformats.org/officeDocument/2006/relationships" xmlns:p="http://schemas.openxmlformats.org/presentationml/2006/main">
+  <p:cSld>
+    <p:spTree>
+      <p:nvGrpSpPr>
+        <p:cNvPr id="1" name=""/>
+        <p:cNvGrpSpPr/>
+        <p:nvPr/>
+      </p:nvGrpSpPr>
+      <p:grpSpPr>
+        <a:xfrm>
+          <a:off x="0" y="0"/>
+          <a:ext cx="0" cy="0"/>
+          <a:chOff x="0" y="0"/>
+          <a:chExt cx="0" cy="0"/>
+        </a:xfrm>
+      </p:grpSpPr>
+      <p:pic>
+        <p:nvPicPr>
+          <p:cNvPr id="15" name="Picture 14">
+            <a:extLst>
+              <a:ext uri="{FF2B5EF4-FFF2-40B4-BE49-F238E27FC236}">
+                <a16:creationId xmlns:a16="http://schemas.microsoft.com/office/drawing/2014/main" id="{00000000-0008-0000-0E00-000017000000}"/>
+              </a:ext>
+            </a:extLst>
+          </p:cNvPr>
+          <p:cNvPicPr>
+            <a:picLocks noChangeAspect="1" noChangeArrowheads="1"/>
+          </p:cNvPicPr>
+          <p:nvPr/>
+        </p:nvPicPr>
+        <p:blipFill rotWithShape="1">
+          <a:blip r:embed="rId2" cstate="print">
+            <a:extLst>
+              <a:ext uri="{28A0092B-C50C-407E-A947-70E740481C1C}">
+                <a14:useLocalDpi xmlns:a14="http://schemas.microsoft.com/office/drawing/2010/main" val="0"/>
+              </a:ext>
+            </a:extLst>
+          </a:blip>
+          <a:srcRect l="4864" t="6404" r="6151" b="8026"/>
+          <a:stretch/>
+        </p:blipFill>
+        <p:spPr bwMode="auto">
+          <a:xfrm>
+            <a:off x="734313" y="2271336"/>
+            <a:ext cx="4470552" cy="2076957"/>
+          </a:xfrm>
+          <a:prstGeom prst="rect">
+            <a:avLst/>
+          </a:prstGeom>
+          <a:noFill/>
+          <a:extLst>
+            <a:ext uri="{909E8E84-426E-40DD-AFC4-6F175D3DCCD1}">
+              <a14:hiddenFill xmlns:a14="http://schemas.microsoft.com/office/drawing/2010/main">
+                <a:solidFill>
+                  <a:srgbClr val="FFFFFF"/>
+                </a:solidFill>
+              </a14:hiddenFill>
+            </a:ext>
+          </a:extLst>
+        </p:spPr>
+      </p:pic>
+      <p:sp>
+        <p:nvSpPr>
+          <p:cNvPr id="4" name="Rectangle 3">
+            <a:extLst>
+              <a:ext uri="{FF2B5EF4-FFF2-40B4-BE49-F238E27FC236}">
+                <a16:creationId xmlns:a16="http://schemas.microsoft.com/office/drawing/2014/main" id="{C57FEF1C-D803-4D4F-A24B-542E7BE5DD2D}"/>
+              </a:ext>
+            </a:extLst>
+          </p:cNvPr>
+          <p:cNvSpPr/>
+          <p:nvPr/>
+        </p:nvSpPr>
+        <p:spPr>
+          <a:xfrm>
+            <a:off x="3639912" y="245507"/>
+            <a:ext cx="7622722" cy="923330"/>
+          </a:xfrm>
+          <a:prstGeom prst="rect">
+            <a:avLst/>
+          </a:prstGeom>
+          <a:noFill/>
+        </p:spPr>
+        <p:txBody>
+          <a:bodyPr wrap="square" lIns="91440" tIns="45720" rIns="91440" bIns="45720">
+            <a:spAutoFit/>
+          </a:bodyPr>
+          <a:lstStyle/>
+          <a:p>
+            <a:pPr algn="ctr"/>
+            <a:r>
+              <a:rPr lang="en-US" sz="5400" b="1" dirty="0">
+                <a:ln w="0"/>
+                <a:effectLst>
+                  <a:outerShdw blurRad="38100" dist="19050" dir="2700000" algn="tl" rotWithShape="0">
+                    <a:schemeClr val="dk1">
+                      <a:alpha val="40000"/>
+                    </a:schemeClr>
+                  </a:outerShdw>
+                </a:effectLst>
+              </a:rPr>
+              <a:t>“Contaminated”</a:t>
+            </a:r>
+            <a:endParaRPr lang="en-US" sz="3200" b="1" dirty="0">
+              <a:ln w="0"/>
+              <a:effectLst>
+                <a:outerShdw blurRad="38100" dist="19050" dir="2700000" algn="tl" rotWithShape="0">
+                  <a:schemeClr val="dk1">
+                    <a:alpha val="40000"/>
+                  </a:schemeClr>
+                </a:outerShdw>
+              </a:effectLst>
+            </a:endParaRPr>
+          </a:p>
+        </p:txBody>
+      </p:sp>
+      <p:sp>
+        <p:nvSpPr>
+          <p:cNvPr id="6" name="Rectangle 5">
+            <a:extLst>
+              <a:ext uri="{FF2B5EF4-FFF2-40B4-BE49-F238E27FC236}">
+                <a16:creationId xmlns:a16="http://schemas.microsoft.com/office/drawing/2014/main" id="{4319825D-B473-4FF3-8F6C-012CE3825D62}"/>
+              </a:ext>
+            </a:extLst>
+          </p:cNvPr>
+          <p:cNvSpPr/>
+          <p:nvPr/>
+        </p:nvSpPr>
+        <p:spPr>
+          <a:xfrm>
+            <a:off x="5095937" y="3059668"/>
+            <a:ext cx="6500973" cy="830997"/>
+          </a:xfrm>
+          <a:prstGeom prst="rect">
+            <a:avLst/>
+          </a:prstGeom>
+          <a:noFill/>
+        </p:spPr>
+        <p:txBody>
+          <a:bodyPr wrap="square" lIns="91440" tIns="45720" rIns="91440" bIns="45720">
+            <a:spAutoFit/>
+          </a:bodyPr>
+          <a:lstStyle/>
+          <a:p>
+            <a:pPr algn="ctr"/>
+            <a:r>
+              <a:rPr lang="en-US" sz="2400" b="0" cap="none" spc="0" dirty="0">
+                <a:ln w="0"/>
+                <a:solidFill>
+                  <a:schemeClr val="tx1"/>
+                </a:solidFill>
+                <a:effectLst>
+                  <a:outerShdw blurRad="38100" dist="19050" dir="2700000" algn="tl" rotWithShape="0">
+                    <a:schemeClr val="dk1">
+                      <a:alpha val="40000"/>
+                    </a:schemeClr>
+                  </a:outerShdw>
+                </a:effectLst>
+              </a:rPr>
+              <a:t>Can’t say if IMI present or absent; could be CNS IMI hiding, but could also be no significant growth</a:t>
+            </a:r>
+          </a:p>
+        </p:txBody>
+      </p:sp>
+      <p:sp>
+        <p:nvSpPr>
+          <p:cNvPr id="7" name="Rectangle 6">
+            <a:extLst>
+              <a:ext uri="{FF2B5EF4-FFF2-40B4-BE49-F238E27FC236}">
+                <a16:creationId xmlns:a16="http://schemas.microsoft.com/office/drawing/2014/main" id="{DC6C2FEA-E246-4D7B-A61F-EFDB2C745294}"/>
+              </a:ext>
+            </a:extLst>
+          </p:cNvPr>
+          <p:cNvSpPr/>
+          <p:nvPr/>
+        </p:nvSpPr>
+        <p:spPr>
+          <a:xfrm>
+            <a:off x="4402917" y="5550663"/>
+            <a:ext cx="6500973" cy="461665"/>
+          </a:xfrm>
+          <a:prstGeom prst="rect">
+            <a:avLst/>
+          </a:prstGeom>
+          <a:noFill/>
+        </p:spPr>
+        <p:txBody>
+          <a:bodyPr wrap="square" lIns="91440" tIns="45720" rIns="91440" bIns="45720">
+            <a:spAutoFit/>
+          </a:bodyPr>
+          <a:lstStyle/>
+          <a:p>
+            <a:pPr algn="ctr"/>
+            <a:r>
+              <a:rPr lang="en-US" sz="2400" dirty="0">
+                <a:ln w="0"/>
+                <a:effectLst>
+                  <a:outerShdw blurRad="38100" dist="19050" dir="2700000" algn="tl" rotWithShape="0">
+                    <a:schemeClr val="dk1">
+                      <a:alpha val="40000"/>
+                    </a:schemeClr>
+                  </a:outerShdw>
+                </a:effectLst>
+              </a:rPr>
+              <a:t>Sample clearly contaminated</a:t>
+            </a:r>
+            <a:endParaRPr lang="en-US" sz="2400" b="0" cap="none" spc="0" dirty="0">
+              <a:ln w="0"/>
+              <a:solidFill>
+                <a:schemeClr val="tx1"/>
+              </a:solidFill>
+              <a:effectLst>
+                <a:outerShdw blurRad="38100" dist="19050" dir="2700000" algn="tl" rotWithShape="0">
+                  <a:schemeClr val="dk1">
+                    <a:alpha val="40000"/>
+                  </a:schemeClr>
+                </a:outerShdw>
+              </a:effectLst>
+            </a:endParaRPr>
+          </a:p>
+        </p:txBody>
+      </p:sp>
+      <p:sp>
+        <p:nvSpPr>
+          <p:cNvPr id="10" name="Rectangle 9">
+            <a:extLst>
+              <a:ext uri="{FF2B5EF4-FFF2-40B4-BE49-F238E27FC236}">
+                <a16:creationId xmlns:a16="http://schemas.microsoft.com/office/drawing/2014/main" id="{91E65521-4B3A-4AE2-BFC7-4A2BF7D1AFAB}"/>
+              </a:ext>
+            </a:extLst>
+          </p:cNvPr>
+          <p:cNvSpPr/>
+          <p:nvPr/>
+        </p:nvSpPr>
+        <p:spPr>
+          <a:xfrm>
+            <a:off x="866239" y="3059668"/>
+            <a:ext cx="535724" cy="923330"/>
+          </a:xfrm>
+          <a:prstGeom prst="rect">
+            <a:avLst/>
+          </a:prstGeom>
+          <a:noFill/>
+        </p:spPr>
+        <p:txBody>
+          <a:bodyPr wrap="none" lIns="91440" tIns="45720" rIns="91440" bIns="45720">
+            <a:spAutoFit/>
+          </a:bodyPr>
+          <a:lstStyle/>
+          <a:p>
+            <a:pPr algn="ctr"/>
+            <a:r>
+              <a:rPr lang="en-US" sz="5400" b="1" cap="none" spc="0" dirty="0">
+                <a:ln w="22225">
+                  <a:solidFill>
+                    <a:schemeClr val="accent2"/>
+                  </a:solidFill>
+                  <a:prstDash val="solid"/>
+                </a:ln>
+                <a:solidFill>
+                  <a:srgbClr val="C00000"/>
+                </a:solidFill>
+                <a:effectLst/>
+              </a:rPr>
+              <a:t>7</a:t>
+            </a:r>
+          </a:p>
+        </p:txBody>
+      </p:sp>
+      <p:sp>
+        <p:nvSpPr>
+          <p:cNvPr id="11" name="Rectangle 10">
+            <a:extLst>
+              <a:ext uri="{FF2B5EF4-FFF2-40B4-BE49-F238E27FC236}">
+                <a16:creationId xmlns:a16="http://schemas.microsoft.com/office/drawing/2014/main" id="{C9E45242-7086-4EC6-B2EF-98DB0BC6416B}"/>
+              </a:ext>
+            </a:extLst>
+          </p:cNvPr>
+          <p:cNvSpPr/>
+          <p:nvPr/>
+        </p:nvSpPr>
+        <p:spPr>
+          <a:xfrm>
+            <a:off x="198589" y="5194835"/>
+            <a:ext cx="535724" cy="923330"/>
+          </a:xfrm>
+          <a:prstGeom prst="rect">
+            <a:avLst/>
+          </a:prstGeom>
+          <a:noFill/>
+        </p:spPr>
+        <p:txBody>
+          <a:bodyPr wrap="none" lIns="91440" tIns="45720" rIns="91440" bIns="45720">
+            <a:spAutoFit/>
+          </a:bodyPr>
+          <a:lstStyle/>
+          <a:p>
+            <a:pPr algn="ctr"/>
+            <a:r>
+              <a:rPr lang="en-US" sz="5400" b="1" dirty="0">
+                <a:ln w="22225">
+                  <a:solidFill>
+                    <a:schemeClr val="accent2"/>
+                  </a:solidFill>
+                  <a:prstDash val="solid"/>
+                </a:ln>
+                <a:solidFill>
+                  <a:srgbClr val="C00000"/>
+                </a:solidFill>
+              </a:rPr>
+              <a:t>8</a:t>
+            </a:r>
+            <a:endParaRPr lang="en-US" sz="5400" b="1" cap="none" spc="0" dirty="0">
+              <a:ln w="22225">
+                <a:solidFill>
+                  <a:schemeClr val="accent2"/>
+                </a:solidFill>
+                <a:prstDash val="solid"/>
+              </a:ln>
+              <a:solidFill>
+                <a:srgbClr val="C00000"/>
+              </a:solidFill>
+              <a:effectLst/>
+            </a:endParaRPr>
+          </a:p>
+        </p:txBody>
+      </p:sp>
+      <p:pic>
+        <p:nvPicPr>
+          <p:cNvPr id="8" name="Picture 7">
+            <a:extLst>
+              <a:ext uri="{FF2B5EF4-FFF2-40B4-BE49-F238E27FC236}">
+                <a16:creationId xmlns:a16="http://schemas.microsoft.com/office/drawing/2014/main" id="{00000000-0008-0000-0E00-000014000000}"/>
+              </a:ext>
+            </a:extLst>
+          </p:cNvPr>
+          <p:cNvPicPr>
+            <a:picLocks noChangeAspect="1" noChangeArrowheads="1"/>
+          </p:cNvPicPr>
+          <p:nvPr/>
+        </p:nvPicPr>
+        <p:blipFill rotWithShape="1">
+          <a:blip r:embed="rId3" cstate="print">
+            <a:extLst>
+              <a:ext uri="{28A0092B-C50C-407E-A947-70E740481C1C}">
+                <a14:useLocalDpi xmlns:a14="http://schemas.microsoft.com/office/drawing/2010/main" val="0"/>
+              </a:ext>
+            </a:extLst>
+          </a:blip>
+          <a:srcRect l="6140" t="5088" r="4093" b="5555"/>
+          <a:stretch/>
+        </p:blipFill>
+        <p:spPr bwMode="auto">
+          <a:xfrm>
+            <a:off x="1134101" y="506010"/>
+            <a:ext cx="3499424" cy="1680851"/>
+          </a:xfrm>
+          <a:prstGeom prst="rect">
+            <a:avLst/>
+          </a:prstGeom>
+          <a:noFill/>
+          <a:extLst>
+            <a:ext uri="{909E8E84-426E-40DD-AFC4-6F175D3DCCD1}">
+              <a14:hiddenFill xmlns:a14="http://schemas.microsoft.com/office/drawing/2010/main">
+                <a:solidFill>
+                  <a:srgbClr val="FFFFFF"/>
+                </a:solidFill>
+              </a14:hiddenFill>
+            </a:ext>
+          </a:extLst>
+        </p:spPr>
+      </p:pic>
+      <p:sp>
+        <p:nvSpPr>
+          <p:cNvPr id="13" name="Rectangle 12">
+            <a:extLst>
+              <a:ext uri="{FF2B5EF4-FFF2-40B4-BE49-F238E27FC236}">
+                <a16:creationId xmlns:a16="http://schemas.microsoft.com/office/drawing/2014/main" id="{615E008C-0968-64C6-8386-4687B1169578}"/>
+              </a:ext>
+            </a:extLst>
+          </p:cNvPr>
+          <p:cNvSpPr/>
+          <p:nvPr/>
+        </p:nvSpPr>
+        <p:spPr>
+          <a:xfrm>
+            <a:off x="1069517" y="1168837"/>
+            <a:ext cx="535724" cy="923330"/>
+          </a:xfrm>
+          <a:prstGeom prst="rect">
+            <a:avLst/>
+          </a:prstGeom>
+          <a:noFill/>
+        </p:spPr>
+        <p:txBody>
+          <a:bodyPr wrap="none" lIns="91440" tIns="45720" rIns="91440" bIns="45720">
+            <a:spAutoFit/>
+          </a:bodyPr>
+          <a:lstStyle/>
+          <a:p>
+            <a:pPr algn="ctr"/>
+            <a:r>
+              <a:rPr lang="en-US" sz="5400" b="1" cap="none" spc="0" dirty="0">
+                <a:ln w="22225">
+                  <a:solidFill>
+                    <a:schemeClr val="accent2"/>
+                  </a:solidFill>
+                  <a:prstDash val="solid"/>
+                </a:ln>
+                <a:solidFill>
+                  <a:srgbClr val="C00000"/>
+                </a:solidFill>
+                <a:effectLst/>
+              </a:rPr>
+              <a:t>4</a:t>
+            </a:r>
+          </a:p>
+        </p:txBody>
+      </p:sp>
+      <p:sp>
+        <p:nvSpPr>
+          <p:cNvPr id="14" name="Rectangle 13">
+            <a:extLst>
+              <a:ext uri="{FF2B5EF4-FFF2-40B4-BE49-F238E27FC236}">
+                <a16:creationId xmlns:a16="http://schemas.microsoft.com/office/drawing/2014/main" id="{5D9175CB-C972-5F7D-9824-A1340539C473}"/>
+              </a:ext>
+            </a:extLst>
+          </p:cNvPr>
+          <p:cNvSpPr/>
+          <p:nvPr/>
+        </p:nvSpPr>
+        <p:spPr>
+          <a:xfrm>
+            <a:off x="6277232" y="1233920"/>
+            <a:ext cx="2348080" cy="369332"/>
+          </a:xfrm>
+          <a:prstGeom prst="rect">
+            <a:avLst/>
+          </a:prstGeom>
+          <a:noFill/>
+        </p:spPr>
+        <p:txBody>
+          <a:bodyPr wrap="none" lIns="91440" tIns="45720" rIns="91440" bIns="45720">
+            <a:spAutoFit/>
+          </a:bodyPr>
+          <a:lstStyle/>
+          <a:p>
+            <a:pPr algn="ctr"/>
+            <a:r>
+              <a:rPr lang="en-US" b="1" dirty="0">
+                <a:solidFill>
+                  <a:srgbClr val="1B15FF"/>
+                </a:solidFill>
+              </a:rPr>
+              <a:t>“</a:t>
+            </a:r>
+            <a:r>
+              <a:rPr lang="en-US" b="1" dirty="0" err="1">
+                <a:solidFill>
+                  <a:srgbClr val="1B15FF"/>
+                </a:solidFill>
+              </a:rPr>
+              <a:t>contam</a:t>
+            </a:r>
+            <a:r>
+              <a:rPr lang="en-US" b="1" dirty="0">
+                <a:solidFill>
+                  <a:srgbClr val="1B15FF"/>
+                </a:solidFill>
+              </a:rPr>
+              <a:t>” if ≥3 morphs</a:t>
+            </a:r>
+          </a:p>
+        </p:txBody>
+      </p:sp>
+      <p:pic>
+        <p:nvPicPr>
+          <p:cNvPr id="16" name="Picture 15">
+            <a:extLst>
+              <a:ext uri="{FF2B5EF4-FFF2-40B4-BE49-F238E27FC236}">
+                <a16:creationId xmlns:a16="http://schemas.microsoft.com/office/drawing/2014/main" id="{00000000-0008-0000-0E00-00001D000000}"/>
+              </a:ext>
+            </a:extLst>
+          </p:cNvPr>
+          <p:cNvPicPr>
+            <a:picLocks noChangeAspect="1"/>
+          </p:cNvPicPr>
+          <p:nvPr/>
+        </p:nvPicPr>
+        <p:blipFill rotWithShape="1">
+          <a:blip r:embed="rId4">
+            <a:extLst>
+              <a:ext uri="{28A0092B-C50C-407E-A947-70E740481C1C}">
+                <a14:useLocalDpi xmlns:a14="http://schemas.microsoft.com/office/drawing/2010/main" val="0"/>
+              </a:ext>
+            </a:extLst>
+          </a:blip>
+          <a:srcRect l="2892" t="65800" r="14911" b="5940"/>
+          <a:stretch/>
+        </p:blipFill>
+        <p:spPr>
+          <a:xfrm>
+            <a:off x="866239" y="4353266"/>
+            <a:ext cx="4906932" cy="2295812"/>
+          </a:xfrm>
+          <a:prstGeom prst="rect">
+            <a:avLst/>
+          </a:prstGeom>
+        </p:spPr>
+      </p:pic>
     </p:spTree>
     <p:extLst>
       <p:ext uri="{BB962C8B-B14F-4D97-AF65-F5344CB8AC3E}">
